--- a/ppt/CodeCamp-AWS.pptx
+++ b/ppt/CodeCamp-AWS.pptx
@@ -10,7 +10,7 @@
     <p:sldId id="258" r:id="rId4"/>
     <p:sldId id="259" r:id="rId5"/>
     <p:sldId id="261" r:id="rId6"/>
-    <p:sldId id="262" r:id="rId7"/>
+    <p:sldId id="286" r:id="rId7"/>
     <p:sldId id="263" r:id="rId8"/>
     <p:sldId id="264" r:id="rId9"/>
     <p:sldId id="265" r:id="rId10"/>
@@ -5197,13 +5197,8 @@
           <a:p>
             <a:r>
               <a:rPr lang="en-US" dirty="0" smtClean="0"/>
-              <a:t>Docker in </a:t>
-            </a:r>
-            <a:r>
-              <a:rPr lang="en-US" dirty="0" smtClean="0"/>
-              <a:t>Azure </a:t>
-            </a:r>
-            <a:endParaRPr lang="en-US" dirty="0" smtClean="0"/>
+              <a:t>Docker in Azure </a:t>
+            </a:r>
           </a:p>
           <a:p>
             <a:r>
@@ -5216,7 +5211,6 @@
               <a:rPr lang="en-US" dirty="0" smtClean="0"/>
               <a:t>Exercise</a:t>
             </a:r>
-            <a:endParaRPr lang="en-US" dirty="0" smtClean="0"/>
           </a:p>
           <a:p>
             <a:endParaRPr lang="en-US" dirty="0" smtClean="0"/>
@@ -7573,6 +7567,13 @@
   <p:clrMapOvr>
     <a:masterClrMapping/>
   </p:clrMapOvr>
+  <p:timing>
+    <p:tnLst>
+      <p:par>
+        <p:cTn id="1" dur="indefinite" restart="never" nodeType="tmRoot"/>
+      </p:par>
+    </p:tnLst>
+  </p:timing>
 </p:sld>
 </file>
 
@@ -7606,7 +7607,7 @@
         <p:spPr>
           <a:xfrm>
             <a:off x="0" y="0"/>
-            <a:ext cx="11157856" cy="1325563"/>
+            <a:ext cx="11157856" cy="845389"/>
           </a:xfrm>
         </p:spPr>
         <p:txBody>
@@ -7615,7 +7616,7 @@
           <a:p>
             <a:r>
               <a:rPr lang="en-US" dirty="0" smtClean="0"/>
-              <a:t>Docker Basics</a:t>
+              <a:t>What is Docker?</a:t>
             </a:r>
             <a:endParaRPr lang="en-US" dirty="0"/>
           </a:p>
@@ -7633,26 +7634,16 @@
         </p:nvSpPr>
         <p:spPr>
           <a:xfrm>
-            <a:off x="144184" y="1325563"/>
-            <a:ext cx="11157857" cy="4351338"/>
+            <a:off x="0" y="782098"/>
+            <a:ext cx="11157857" cy="5532437"/>
           </a:xfrm>
         </p:spPr>
         <p:txBody>
-          <a:bodyPr/>
-          <a:lstStyle/>
-          <a:p>
-            <a:pPr marL="0" indent="0">
-              <a:buNone/>
-            </a:pPr>
-            <a:r>
-              <a:rPr lang="en-US" dirty="0" smtClean="0"/>
-              <a:t>What is Docker?</a:t>
-            </a:r>
-          </a:p>
-          <a:p>
-            <a:pPr marL="0" indent="0">
-              <a:buNone/>
-            </a:pPr>
+          <a:bodyPr>
+            <a:normAutofit/>
+          </a:bodyPr>
+          <a:lstStyle/>
+          <a:p>
             <a:r>
               <a:rPr lang="en-US" sz="1800" dirty="0"/>
               <a:t>Docker is a software technology providing </a:t>
@@ -7675,67 +7666,84 @@
             </a:r>
             <a:r>
               <a:rPr lang="en-US" sz="1800" dirty="0"/>
-              <a:t> on Windows and Linux</a:t>
+              <a:t> on Windows and </a:t>
             </a:r>
             <a:r>
               <a:rPr lang="en-US" sz="1800" dirty="0" smtClean="0"/>
-              <a:t>.</a:t>
-            </a:r>
-            <a:r>
-              <a:rPr lang="en-US" sz="1800" dirty="0"/>
-              <a:t> Docker uses the resource isolation features of the Linux kernel such as </a:t>
-            </a:r>
-            <a:r>
-              <a:rPr lang="en-US" sz="1800" dirty="0" err="1">
-                <a:hlinkClick r:id="rId3" tooltip="Cgroups"/>
-              </a:rPr>
+              <a:t>Linux.</a:t>
+            </a:r>
+          </a:p>
+          <a:p>
+            <a:r>
+              <a:rPr lang="en-US" sz="1800" dirty="0" smtClean="0"/>
+              <a:t>Containers will provide process isolation, file system isolation, network isolation, CPU/Memory quotas, i/o rate limiting to the applications running in container.</a:t>
+            </a:r>
+          </a:p>
+          <a:p>
+            <a:pPr lvl="1"/>
+            <a:r>
+              <a:rPr lang="en-US" sz="1600" dirty="0" smtClean="0"/>
+              <a:t>On </a:t>
+            </a:r>
+            <a:r>
+              <a:rPr lang="en-US" sz="1600" dirty="0" err="1" smtClean="0"/>
+              <a:t>linux</a:t>
+            </a:r>
+            <a:r>
+              <a:rPr lang="en-US" sz="1600" dirty="0" smtClean="0"/>
+              <a:t> it </a:t>
+            </a:r>
+            <a:r>
+              <a:rPr lang="en-US" sz="1600" dirty="0"/>
+              <a:t>u</a:t>
+            </a:r>
+            <a:r>
+              <a:rPr lang="en-US" sz="1600" dirty="0" smtClean="0"/>
+              <a:t>ses </a:t>
+            </a:r>
+            <a:r>
+              <a:rPr lang="en-US" sz="1600" dirty="0" err="1" smtClean="0"/>
+              <a:t>runc</a:t>
+            </a:r>
+            <a:r>
+              <a:rPr lang="en-US" sz="1600" dirty="0" smtClean="0"/>
+              <a:t>, </a:t>
+            </a:r>
+            <a:r>
+              <a:rPr lang="en-US" sz="1800" dirty="0" err="1" smtClean="0"/>
+              <a:t>containerd</a:t>
+            </a:r>
+            <a:r>
+              <a:rPr lang="en-US" sz="1600" dirty="0" smtClean="0"/>
+              <a:t>, </a:t>
+            </a:r>
+            <a:r>
+              <a:rPr lang="en-US" sz="1600" dirty="0" err="1" smtClean="0"/>
               <a:t>cgroups</a:t>
             </a:r>
             <a:r>
-              <a:rPr lang="en-US" sz="1800" dirty="0"/>
-              <a:t> and kernel </a:t>
-            </a:r>
-            <a:r>
-              <a:rPr lang="en-US" sz="1800" dirty="0">
-                <a:hlinkClick r:id="rId4" tooltip="Linux namespaces"/>
-              </a:rPr>
-              <a:t>namespaces</a:t>
-            </a:r>
-            <a:r>
-              <a:rPr lang="en-US" sz="1800" dirty="0"/>
-              <a:t>, and a </a:t>
-            </a:r>
-            <a:r>
-              <a:rPr lang="en-US" sz="1800" dirty="0">
-                <a:hlinkClick r:id="rId5" tooltip="Union mount"/>
-              </a:rPr>
-              <a:t>union-capable file system</a:t>
-            </a:r>
-            <a:r>
-              <a:rPr lang="en-US" sz="1800" dirty="0"/>
-              <a:t> such as </a:t>
-            </a:r>
-            <a:r>
-              <a:rPr lang="en-US" sz="1800" dirty="0" err="1">
-                <a:hlinkClick r:id="rId6" tooltip="OverlayFS"/>
-              </a:rPr>
-              <a:t>OverlayFS</a:t>
-            </a:r>
-            <a:r>
-              <a:rPr lang="en-US" sz="1800" dirty="0"/>
-              <a:t> and </a:t>
-            </a:r>
+              <a:rPr lang="en-US" sz="1600" dirty="0" smtClean="0"/>
+              <a:t>, namespaces and layered file system of host OS kernel to achieve isolation</a:t>
+            </a:r>
+            <a:endParaRPr lang="en-US" sz="1400" dirty="0" smtClean="0"/>
+          </a:p>
+          <a:p>
+            <a:pPr lvl="1"/>
+            <a:r>
+              <a:rPr lang="en-US" sz="1600" dirty="0" smtClean="0"/>
+              <a:t>On windows it uses job objects, object namespace and union file system extensions.</a:t>
+            </a:r>
+          </a:p>
+          <a:p>
             <a:r>
               <a:rPr lang="en-US" sz="1800" dirty="0" smtClean="0"/>
-              <a:t>others</a:t>
-            </a:r>
-            <a:r>
-              <a:rPr lang="en-US" sz="1800" dirty="0"/>
-              <a:t> to allow independent "containers" to run within a single Linux instance, avoiding the overhead of starting and maintaining virtual </a:t>
-            </a:r>
+              <a:t>Not full isolation unlike VM. Containers do share Host OS kernel. i.e. provides user space/mode isolation not kernel space/mode.</a:t>
+            </a:r>
+          </a:p>
+          <a:p>
             <a:r>
               <a:rPr lang="en-US" sz="1800" dirty="0" smtClean="0"/>
-              <a:t>machines.</a:t>
+              <a:t>Windows supports Hyper-V containers(light weight Hyper-V VM with kernel) which provides full isolation.</a:t>
             </a:r>
           </a:p>
           <a:p>
@@ -7755,7 +7763,7 @@
           <p:nvPr/>
         </p:nvPicPr>
         <p:blipFill>
-          <a:blip r:embed="rId7">
+          <a:blip r:embed="rId3">
             <a:extLst>
               <a:ext uri="{28A0092B-C50C-407E-A947-70E740481C1C}">
                 <a14:useLocalDpi xmlns:a14="http://schemas.microsoft.com/office/drawing/2010/main" val="0"/>
@@ -7769,8 +7777,8 @@
         </p:blipFill>
         <p:spPr bwMode="auto">
           <a:xfrm>
-            <a:off x="2173342" y="2894323"/>
-            <a:ext cx="7099540" cy="3834281"/>
+            <a:off x="2700230" y="3355676"/>
+            <a:ext cx="6277247" cy="3390182"/>
           </a:xfrm>
           <a:prstGeom prst="rect">
             <a:avLst/>
@@ -7790,13 +7798,20 @@
     </p:spTree>
     <p:extLst>
       <p:ext uri="{BB962C8B-B14F-4D97-AF65-F5344CB8AC3E}">
-        <p14:creationId xmlns:p14="http://schemas.microsoft.com/office/powerpoint/2010/main" val="520170236"/>
+        <p14:creationId xmlns:p14="http://schemas.microsoft.com/office/powerpoint/2010/main" val="2006945537"/>
       </p:ext>
     </p:extLst>
   </p:cSld>
   <p:clrMapOvr>
     <a:masterClrMapping/>
   </p:clrMapOvr>
+  <p:timing>
+    <p:tnLst>
+      <p:par>
+        <p:cTn id="1" dur="indefinite" restart="never" nodeType="tmRoot"/>
+      </p:par>
+    </p:tnLst>
+  </p:timing>
 </p:sld>
 </file>
 
@@ -7868,7 +7883,7 @@
         </p:blipFill>
         <p:spPr bwMode="auto">
           <a:xfrm>
-            <a:off x="215660" y="1994233"/>
+            <a:off x="0" y="3122761"/>
             <a:ext cx="5263371" cy="3735239"/>
           </a:xfrm>
           <a:prstGeom prst="rect">
@@ -7909,7 +7924,7 @@
         </p:blipFill>
         <p:spPr bwMode="auto">
           <a:xfrm>
-            <a:off x="4873924" y="1994233"/>
+            <a:off x="5011947" y="3122760"/>
             <a:ext cx="6010035" cy="3735239"/>
           </a:xfrm>
           <a:prstGeom prst="rect">
@@ -7927,6 +7942,247 @@
           </a:extLst>
         </p:spPr>
       </p:pic>
+      <p:sp>
+        <p:nvSpPr>
+          <p:cNvPr id="6" name="Content Placeholder 2"/>
+          <p:cNvSpPr>
+            <a:spLocks noGrp="1"/>
+          </p:cNvSpPr>
+          <p:nvPr>
+            <p:ph idx="1"/>
+          </p:nvPr>
+        </p:nvSpPr>
+        <p:spPr>
+          <a:xfrm>
+            <a:off x="144185" y="1325563"/>
+            <a:ext cx="4647272" cy="1637093"/>
+          </a:xfrm>
+        </p:spPr>
+        <p:txBody>
+          <a:bodyPr>
+            <a:normAutofit/>
+          </a:bodyPr>
+          <a:lstStyle/>
+          <a:p>
+            <a:pPr marL="0" indent="0">
+              <a:buNone/>
+            </a:pPr>
+            <a:r>
+              <a:rPr lang="en-US" dirty="0" smtClean="0"/>
+              <a:t>. Windows server 2016 and windows 10  with anniversary update.</a:t>
+            </a:r>
+            <a:endParaRPr lang="en-US" dirty="0"/>
+          </a:p>
+        </p:txBody>
+      </p:sp>
+      <p:sp>
+        <p:nvSpPr>
+          <p:cNvPr id="7" name="Content Placeholder 2"/>
+          <p:cNvSpPr txBox="1">
+            <a:spLocks/>
+          </p:cNvSpPr>
+          <p:nvPr/>
+        </p:nvSpPr>
+        <p:spPr>
+          <a:xfrm>
+            <a:off x="5578928" y="1325563"/>
+            <a:ext cx="4647272" cy="1637093"/>
+          </a:xfrm>
+          <a:prstGeom prst="rect">
+            <a:avLst/>
+          </a:prstGeom>
+        </p:spPr>
+        <p:txBody>
+          <a:bodyPr vert="horz" lIns="91440" tIns="45720" rIns="91440" bIns="45720" rtlCol="0">
+            <a:normAutofit/>
+          </a:bodyPr>
+          <a:lstStyle>
+            <a:lvl1pPr marL="228600" indent="-228600" algn="l" defTabSz="914400" rtl="0" eaLnBrk="1" latinLnBrk="0" hangingPunct="1">
+              <a:lnSpc>
+                <a:spcPct val="90000"/>
+              </a:lnSpc>
+              <a:spcBef>
+                <a:spcPts val="1000"/>
+              </a:spcBef>
+              <a:buFont typeface="Arial" panose="020B0604020202020204" pitchFamily="34" charset="0"/>
+              <a:buChar char="•"/>
+              <a:defRPr sz="2800" kern="1200">
+                <a:solidFill>
+                  <a:schemeClr val="tx2">
+                    <a:lumMod val="75000"/>
+                  </a:schemeClr>
+                </a:solidFill>
+                <a:latin typeface="Buxton Sketch" panose="03080500000500000004" pitchFamily="66" charset="0"/>
+                <a:ea typeface="Segoe UI Historic" panose="020B0502040204020203" pitchFamily="34" charset="0"/>
+                <a:cs typeface="Segoe UI Historic" panose="020B0502040204020203" pitchFamily="34" charset="0"/>
+              </a:defRPr>
+            </a:lvl1pPr>
+            <a:lvl2pPr marL="685800" indent="-228600" algn="l" defTabSz="914400" rtl="0" eaLnBrk="1" latinLnBrk="0" hangingPunct="1">
+              <a:lnSpc>
+                <a:spcPct val="90000"/>
+              </a:lnSpc>
+              <a:spcBef>
+                <a:spcPts val="500"/>
+              </a:spcBef>
+              <a:buFont typeface="Arial" panose="020B0604020202020204" pitchFamily="34" charset="0"/>
+              <a:buChar char="•"/>
+              <a:defRPr sz="2400" kern="1200">
+                <a:solidFill>
+                  <a:schemeClr val="tx2">
+                    <a:lumMod val="75000"/>
+                  </a:schemeClr>
+                </a:solidFill>
+                <a:latin typeface="Buxton Sketch" panose="03080500000500000004" pitchFamily="66" charset="0"/>
+                <a:ea typeface="Segoe UI Historic" panose="020B0502040204020203" pitchFamily="34" charset="0"/>
+                <a:cs typeface="Segoe UI Historic" panose="020B0502040204020203" pitchFamily="34" charset="0"/>
+              </a:defRPr>
+            </a:lvl2pPr>
+            <a:lvl3pPr marL="1143000" indent="-228600" algn="l" defTabSz="914400" rtl="0" eaLnBrk="1" latinLnBrk="0" hangingPunct="1">
+              <a:lnSpc>
+                <a:spcPct val="90000"/>
+              </a:lnSpc>
+              <a:spcBef>
+                <a:spcPts val="500"/>
+              </a:spcBef>
+              <a:buFont typeface="Arial" panose="020B0604020202020204" pitchFamily="34" charset="0"/>
+              <a:buChar char="•"/>
+              <a:defRPr sz="2000" kern="1200">
+                <a:solidFill>
+                  <a:schemeClr val="tx2">
+                    <a:lumMod val="75000"/>
+                  </a:schemeClr>
+                </a:solidFill>
+                <a:latin typeface="Buxton Sketch" panose="03080500000500000004" pitchFamily="66" charset="0"/>
+                <a:ea typeface="Segoe UI Historic" panose="020B0502040204020203" pitchFamily="34" charset="0"/>
+                <a:cs typeface="Segoe UI Historic" panose="020B0502040204020203" pitchFamily="34" charset="0"/>
+              </a:defRPr>
+            </a:lvl3pPr>
+            <a:lvl4pPr marL="1600200" indent="-228600" algn="l" defTabSz="914400" rtl="0" eaLnBrk="1" latinLnBrk="0" hangingPunct="1">
+              <a:lnSpc>
+                <a:spcPct val="90000"/>
+              </a:lnSpc>
+              <a:spcBef>
+                <a:spcPts val="500"/>
+              </a:spcBef>
+              <a:buFont typeface="Arial" panose="020B0604020202020204" pitchFamily="34" charset="0"/>
+              <a:buChar char="•"/>
+              <a:defRPr sz="1800" kern="1200">
+                <a:solidFill>
+                  <a:schemeClr val="tx2">
+                    <a:lumMod val="75000"/>
+                  </a:schemeClr>
+                </a:solidFill>
+                <a:latin typeface="Buxton Sketch" panose="03080500000500000004" pitchFamily="66" charset="0"/>
+                <a:ea typeface="Segoe UI Historic" panose="020B0502040204020203" pitchFamily="34" charset="0"/>
+                <a:cs typeface="Segoe UI Historic" panose="020B0502040204020203" pitchFamily="34" charset="0"/>
+              </a:defRPr>
+            </a:lvl4pPr>
+            <a:lvl5pPr marL="2057400" indent="-228600" algn="l" defTabSz="914400" rtl="0" eaLnBrk="1" latinLnBrk="0" hangingPunct="1">
+              <a:lnSpc>
+                <a:spcPct val="90000"/>
+              </a:lnSpc>
+              <a:spcBef>
+                <a:spcPts val="500"/>
+              </a:spcBef>
+              <a:buFont typeface="Arial" panose="020B0604020202020204" pitchFamily="34" charset="0"/>
+              <a:buChar char="•"/>
+              <a:defRPr sz="1800" kern="1200">
+                <a:solidFill>
+                  <a:schemeClr val="tx2">
+                    <a:lumMod val="75000"/>
+                  </a:schemeClr>
+                </a:solidFill>
+                <a:latin typeface="Buxton Sketch" panose="03080500000500000004" pitchFamily="66" charset="0"/>
+                <a:ea typeface="Segoe UI Historic" panose="020B0502040204020203" pitchFamily="34" charset="0"/>
+                <a:cs typeface="Segoe UI Historic" panose="020B0502040204020203" pitchFamily="34" charset="0"/>
+              </a:defRPr>
+            </a:lvl5pPr>
+            <a:lvl6pPr marL="2514600" indent="-228600" algn="l" defTabSz="914400" rtl="0" eaLnBrk="1" latinLnBrk="0" hangingPunct="1">
+              <a:lnSpc>
+                <a:spcPct val="90000"/>
+              </a:lnSpc>
+              <a:spcBef>
+                <a:spcPts val="500"/>
+              </a:spcBef>
+              <a:buFont typeface="Arial" panose="020B0604020202020204" pitchFamily="34" charset="0"/>
+              <a:buChar char="•"/>
+              <a:defRPr sz="1800" kern="1200">
+                <a:solidFill>
+                  <a:schemeClr val="tx1"/>
+                </a:solidFill>
+                <a:latin typeface="+mn-lt"/>
+                <a:ea typeface="+mn-ea"/>
+                <a:cs typeface="+mn-cs"/>
+              </a:defRPr>
+            </a:lvl6pPr>
+            <a:lvl7pPr marL="2971800" indent="-228600" algn="l" defTabSz="914400" rtl="0" eaLnBrk="1" latinLnBrk="0" hangingPunct="1">
+              <a:lnSpc>
+                <a:spcPct val="90000"/>
+              </a:lnSpc>
+              <a:spcBef>
+                <a:spcPts val="500"/>
+              </a:spcBef>
+              <a:buFont typeface="Arial" panose="020B0604020202020204" pitchFamily="34" charset="0"/>
+              <a:buChar char="•"/>
+              <a:defRPr sz="1800" kern="1200">
+                <a:solidFill>
+                  <a:schemeClr val="tx1"/>
+                </a:solidFill>
+                <a:latin typeface="+mn-lt"/>
+                <a:ea typeface="+mn-ea"/>
+                <a:cs typeface="+mn-cs"/>
+              </a:defRPr>
+            </a:lvl7pPr>
+            <a:lvl8pPr marL="3429000" indent="-228600" algn="l" defTabSz="914400" rtl="0" eaLnBrk="1" latinLnBrk="0" hangingPunct="1">
+              <a:lnSpc>
+                <a:spcPct val="90000"/>
+              </a:lnSpc>
+              <a:spcBef>
+                <a:spcPts val="500"/>
+              </a:spcBef>
+              <a:buFont typeface="Arial" panose="020B0604020202020204" pitchFamily="34" charset="0"/>
+              <a:buChar char="•"/>
+              <a:defRPr sz="1800" kern="1200">
+                <a:solidFill>
+                  <a:schemeClr val="tx1"/>
+                </a:solidFill>
+                <a:latin typeface="+mn-lt"/>
+                <a:ea typeface="+mn-ea"/>
+                <a:cs typeface="+mn-cs"/>
+              </a:defRPr>
+            </a:lvl8pPr>
+            <a:lvl9pPr marL="3886200" indent="-228600" algn="l" defTabSz="914400" rtl="0" eaLnBrk="1" latinLnBrk="0" hangingPunct="1">
+              <a:lnSpc>
+                <a:spcPct val="90000"/>
+              </a:lnSpc>
+              <a:spcBef>
+                <a:spcPts val="500"/>
+              </a:spcBef>
+              <a:buFont typeface="Arial" panose="020B0604020202020204" pitchFamily="34" charset="0"/>
+              <a:buChar char="•"/>
+              <a:defRPr sz="1800" kern="1200">
+                <a:solidFill>
+                  <a:schemeClr val="tx1"/>
+                </a:solidFill>
+                <a:latin typeface="+mn-lt"/>
+                <a:ea typeface="+mn-ea"/>
+                <a:cs typeface="+mn-cs"/>
+              </a:defRPr>
+            </a:lvl9pPr>
+          </a:lstStyle>
+          <a:p>
+            <a:pPr marL="0" indent="0">
+              <a:buFont typeface="Arial" panose="020B0604020202020204" pitchFamily="34" charset="0"/>
+              <a:buNone/>
+            </a:pPr>
+            <a:r>
+              <a:rPr lang="en-US" dirty="0" smtClean="0"/>
+              <a:t>. All modern Linux distros</a:t>
+            </a:r>
+            <a:endParaRPr lang="en-US" dirty="0"/>
+          </a:p>
+        </p:txBody>
+      </p:sp>
     </p:spTree>
     <p:extLst>
       <p:ext uri="{BB962C8B-B14F-4D97-AF65-F5344CB8AC3E}">
@@ -7937,6 +8193,13 @@
   <p:clrMapOvr>
     <a:masterClrMapping/>
   </p:clrMapOvr>
+  <p:timing>
+    <p:tnLst>
+      <p:par>
+        <p:cTn id="1" dur="indefinite" restart="never" nodeType="tmRoot"/>
+      </p:par>
+    </p:tnLst>
+  </p:timing>
 </p:sld>
 </file>
 
@@ -7969,8 +8232,8 @@
         </p:nvSpPr>
         <p:spPr>
           <a:xfrm>
-            <a:off x="0" y="0"/>
-            <a:ext cx="11157856" cy="1325563"/>
+            <a:off x="0" y="1"/>
+            <a:ext cx="11157856" cy="1042416"/>
           </a:xfrm>
         </p:spPr>
         <p:txBody>
@@ -7997,26 +8260,39 @@
         </p:nvSpPr>
         <p:spPr>
           <a:xfrm>
-            <a:off x="144184" y="1325563"/>
-            <a:ext cx="11157857" cy="4932624"/>
+            <a:off x="107608" y="1042417"/>
+            <a:ext cx="11157857" cy="5331269"/>
           </a:xfrm>
         </p:spPr>
         <p:txBody>
           <a:bodyPr>
-            <a:normAutofit lnSpcReduction="10000"/>
+            <a:normAutofit fontScale="92500" lnSpcReduction="20000"/>
           </a:bodyPr>
           <a:lstStyle/>
           <a:p>
             <a:r>
               <a:rPr lang="en-US" dirty="0" smtClean="0"/>
-              <a:t>Isolation</a:t>
-            </a:r>
+              <a:t>Application centric</a:t>
+            </a:r>
+            <a:endParaRPr lang="en-US" dirty="0" smtClean="0"/>
           </a:p>
           <a:p>
             <a:pPr lvl="1"/>
             <a:r>
-              <a:rPr lang="en-US" dirty="0" smtClean="0"/>
-              <a:t>Network, file system, registry, process , CPU and memory</a:t>
+              <a:rPr lang="en-US" dirty="0"/>
+              <a:t>Docker is </a:t>
+            </a:r>
+            <a:r>
+              <a:rPr lang="en-US" dirty="0" smtClean="0"/>
+              <a:t>optimized </a:t>
+            </a:r>
+            <a:r>
+              <a:rPr lang="en-US" dirty="0"/>
+              <a:t>for the deployment of applications, as opposed to </a:t>
+            </a:r>
+            <a:r>
+              <a:rPr lang="en-US" dirty="0" smtClean="0"/>
+              <a:t>machines.</a:t>
             </a:r>
             <a:endParaRPr lang="en-US" dirty="0" smtClean="0"/>
           </a:p>
@@ -8030,7 +8306,23 @@
             <a:pPr lvl="1"/>
             <a:r>
               <a:rPr lang="en-US" dirty="0" smtClean="0"/>
-              <a:t>Abstracted the complex virtual environment entities in OS and kernel with simple API.</a:t>
+              <a:t>Abstracted the complex </a:t>
+            </a:r>
+            <a:r>
+              <a:rPr lang="en-US" dirty="0" smtClean="0"/>
+              <a:t>OS level virtual </a:t>
+            </a:r>
+            <a:r>
+              <a:rPr lang="en-US" dirty="0" smtClean="0"/>
+              <a:t>environment entities in </a:t>
+            </a:r>
+            <a:r>
+              <a:rPr lang="en-US" dirty="0" smtClean="0"/>
+              <a:t>Host OS kernel </a:t>
+            </a:r>
+            <a:r>
+              <a:rPr lang="en-US" dirty="0" smtClean="0"/>
+              <a:t>with simple API.</a:t>
             </a:r>
           </a:p>
           <a:p>
@@ -8040,27 +8332,45 @@
               <a:t>Same API across platforms – </a:t>
             </a:r>
             <a:r>
+              <a:rPr lang="en-US" dirty="0" smtClean="0"/>
+              <a:t>Linux</a:t>
+            </a:r>
+            <a:r>
               <a:rPr lang="en-US" dirty="0"/>
-              <a:t>L</a:t>
-            </a:r>
-            <a:r>
-              <a:rPr lang="en-US" dirty="0" smtClean="0"/>
-              <a:t>inux, Windows and MAC.</a:t>
+              <a:t> </a:t>
+            </a:r>
+            <a:r>
+              <a:rPr lang="en-US" dirty="0" smtClean="0"/>
+              <a:t>and</a:t>
+            </a:r>
+            <a:r>
+              <a:rPr lang="en-US" dirty="0" smtClean="0"/>
+              <a:t> Windows.</a:t>
             </a:r>
             <a:endParaRPr lang="en-US" dirty="0" smtClean="0"/>
           </a:p>
           <a:p>
             <a:r>
-              <a:rPr lang="en-US" dirty="0" smtClean="0"/>
-              <a:t>Lightweight</a:t>
-            </a:r>
+              <a:rPr lang="en-US" dirty="0"/>
+              <a:t>Portable </a:t>
+            </a:r>
+            <a:r>
+              <a:rPr lang="en-US" dirty="0" smtClean="0"/>
+              <a:t>applications</a:t>
+            </a:r>
+            <a:endParaRPr lang="en-US" dirty="0"/>
           </a:p>
           <a:p>
             <a:pPr lvl="1"/>
             <a:r>
-              <a:rPr lang="en-US" dirty="0" smtClean="0"/>
-              <a:t>Fast boot up time, can deploy apps at high density.</a:t>
-            </a:r>
+              <a:rPr lang="en-US" dirty="0"/>
+              <a:t>Docker defines a format for bundling an application and all its dependencies into a single object called a </a:t>
+            </a:r>
+            <a:r>
+              <a:rPr lang="en-US" dirty="0" smtClean="0"/>
+              <a:t>container – thru image files.</a:t>
+            </a:r>
+            <a:endParaRPr lang="en-US" dirty="0" smtClean="0"/>
           </a:p>
           <a:p>
             <a:pPr lvl="1"/>
@@ -8075,26 +8385,56 @@
               <a:rPr lang="en-US" dirty="0" smtClean="0"/>
               <a:t>Ideal for micro services.</a:t>
             </a:r>
+          </a:p>
+          <a:p>
+            <a:r>
+              <a:rPr lang="en-US" dirty="0" smtClean="0"/>
+              <a:t>Community</a:t>
+            </a:r>
+          </a:p>
+          <a:p>
+            <a:pPr lvl="1"/>
+            <a:r>
+              <a:rPr lang="en-US" dirty="0" smtClean="0"/>
+              <a:t>Hundreds </a:t>
+            </a:r>
+            <a:r>
+              <a:rPr lang="en-US" dirty="0" smtClean="0"/>
+              <a:t>of ready made open source base images in central repository</a:t>
+            </a:r>
+            <a:r>
+              <a:rPr lang="en-US" dirty="0" smtClean="0"/>
+              <a:t>.(always use official images or scan for vulnerabilities)</a:t>
+            </a:r>
             <a:endParaRPr lang="en-US" dirty="0" smtClean="0"/>
           </a:p>
           <a:p>
             <a:r>
               <a:rPr lang="en-US" dirty="0" smtClean="0"/>
-              <a:t>Community</a:t>
+              <a:t>Build once deploy </a:t>
+            </a:r>
+            <a:r>
+              <a:rPr lang="en-US" dirty="0" smtClean="0"/>
+              <a:t>anywhere ( Docker enabled machine)</a:t>
             </a:r>
           </a:p>
           <a:p>
             <a:pPr lvl="1"/>
             <a:r>
-              <a:rPr lang="en-US" dirty="0" smtClean="0"/>
-              <a:t>Thousands of ready made open source base images in central repository.</a:t>
-            </a:r>
-            <a:endParaRPr lang="en-US" dirty="0" smtClean="0"/>
-          </a:p>
-          <a:p>
-            <a:r>
-              <a:rPr lang="en-US" dirty="0" smtClean="0"/>
-              <a:t>Build once deploy anywhere</a:t>
+              <a:rPr lang="en-US" dirty="0"/>
+              <a:t>Deploying a consistent </a:t>
+            </a:r>
+            <a:r>
+              <a:rPr lang="en-US" dirty="0" smtClean="0"/>
+              <a:t>production/XX </a:t>
+            </a:r>
+            <a:r>
+              <a:rPr lang="en-US" dirty="0"/>
+              <a:t>environment is </a:t>
+            </a:r>
+            <a:r>
+              <a:rPr lang="en-US" dirty="0" smtClean="0"/>
+              <a:t>easier.</a:t>
             </a:r>
             <a:endParaRPr lang="en-US" dirty="0"/>
           </a:p>

--- a/ppt/CodeCamp-AWS.pptx
+++ b/ppt/CodeCamp-AWS.pptx
@@ -33,7 +33,8 @@
     <p:sldId id="279" r:id="rId27"/>
     <p:sldId id="280" r:id="rId28"/>
     <p:sldId id="281" r:id="rId29"/>
-    <p:sldId id="282" r:id="rId30"/>
+    <p:sldId id="287" r:id="rId30"/>
+    <p:sldId id="282" r:id="rId31"/>
   </p:sldIdLst>
   <p:sldSz cx="12192000" cy="6858000"/>
   <p:notesSz cx="6858000" cy="9144000"/>
@@ -291,7 +292,7 @@
           <a:p>
             <a:fld id="{91CEC149-D8AD-4B6C-824D-7789626F7001}" type="datetimeFigureOut">
               <a:rPr lang="en-US" smtClean="0"/>
-              <a:t>7/25/2017</a:t>
+              <a:t>7/26/2017</a:t>
             </a:fld>
             <a:endParaRPr lang="en-US"/>
           </a:p>
@@ -536,7 +537,7 @@
           <a:p>
             <a:fld id="{91CEC149-D8AD-4B6C-824D-7789626F7001}" type="datetimeFigureOut">
               <a:rPr lang="en-US" smtClean="0"/>
-              <a:t>7/25/2017</a:t>
+              <a:t>7/26/2017</a:t>
             </a:fld>
             <a:endParaRPr lang="en-US"/>
           </a:p>
@@ -744,7 +745,7 @@
           <a:p>
             <a:fld id="{91CEC149-D8AD-4B6C-824D-7789626F7001}" type="datetimeFigureOut">
               <a:rPr lang="en-US" smtClean="0"/>
-              <a:t>7/25/2017</a:t>
+              <a:t>7/26/2017</a:t>
             </a:fld>
             <a:endParaRPr lang="en-US"/>
           </a:p>
@@ -942,7 +943,7 @@
           <a:p>
             <a:fld id="{91CEC149-D8AD-4B6C-824D-7789626F7001}" type="datetimeFigureOut">
               <a:rPr lang="en-US" smtClean="0"/>
-              <a:t>7/25/2017</a:t>
+              <a:t>7/26/2017</a:t>
             </a:fld>
             <a:endParaRPr lang="en-US"/>
           </a:p>
@@ -1217,7 +1218,7 @@
           <a:p>
             <a:fld id="{91CEC149-D8AD-4B6C-824D-7789626F7001}" type="datetimeFigureOut">
               <a:rPr lang="en-US" smtClean="0"/>
-              <a:t>7/25/2017</a:t>
+              <a:t>7/26/2017</a:t>
             </a:fld>
             <a:endParaRPr lang="en-US"/>
           </a:p>
@@ -1482,7 +1483,7 @@
           <a:p>
             <a:fld id="{91CEC149-D8AD-4B6C-824D-7789626F7001}" type="datetimeFigureOut">
               <a:rPr lang="en-US" smtClean="0"/>
-              <a:t>7/25/2017</a:t>
+              <a:t>7/26/2017</a:t>
             </a:fld>
             <a:endParaRPr lang="en-US"/>
           </a:p>
@@ -1894,7 +1895,7 @@
           <a:p>
             <a:fld id="{91CEC149-D8AD-4B6C-824D-7789626F7001}" type="datetimeFigureOut">
               <a:rPr lang="en-US" smtClean="0"/>
-              <a:t>7/25/2017</a:t>
+              <a:t>7/26/2017</a:t>
             </a:fld>
             <a:endParaRPr lang="en-US"/>
           </a:p>
@@ -2035,7 +2036,7 @@
           <a:p>
             <a:fld id="{91CEC149-D8AD-4B6C-824D-7789626F7001}" type="datetimeFigureOut">
               <a:rPr lang="en-US" smtClean="0"/>
-              <a:t>7/25/2017</a:t>
+              <a:t>7/26/2017</a:t>
             </a:fld>
             <a:endParaRPr lang="en-US"/>
           </a:p>
@@ -2148,7 +2149,7 @@
           <a:p>
             <a:fld id="{91CEC149-D8AD-4B6C-824D-7789626F7001}" type="datetimeFigureOut">
               <a:rPr lang="en-US" smtClean="0"/>
-              <a:t>7/25/2017</a:t>
+              <a:t>7/26/2017</a:t>
             </a:fld>
             <a:endParaRPr lang="en-US"/>
           </a:p>
@@ -2459,7 +2460,7 @@
           <a:p>
             <a:fld id="{91CEC149-D8AD-4B6C-824D-7789626F7001}" type="datetimeFigureOut">
               <a:rPr lang="en-US" smtClean="0"/>
-              <a:t>7/25/2017</a:t>
+              <a:t>7/26/2017</a:t>
             </a:fld>
             <a:endParaRPr lang="en-US"/>
           </a:p>
@@ -2750,7 +2751,7 @@
           <a:p>
             <a:fld id="{91CEC149-D8AD-4B6C-824D-7789626F7001}" type="datetimeFigureOut">
               <a:rPr lang="en-US" smtClean="0"/>
-              <a:t>7/25/2017</a:t>
+              <a:t>7/26/2017</a:t>
             </a:fld>
             <a:endParaRPr lang="en-US"/>
           </a:p>
@@ -3000,7 +3001,7 @@
           <a:p>
             <a:fld id="{91CEC149-D8AD-4B6C-824D-7789626F7001}" type="datetimeFigureOut">
               <a:rPr lang="en-US" smtClean="0"/>
-              <a:t>7/25/2017</a:t>
+              <a:t>7/26/2017</a:t>
             </a:fld>
             <a:endParaRPr lang="en-US"/>
           </a:p>
@@ -3730,13 +3731,8 @@
           <a:p>
             <a:r>
               <a:rPr lang="en-US" dirty="0"/>
-              <a:t>Docker Implementation in </a:t>
-            </a:r>
-            <a:r>
-              <a:rPr lang="en-US" dirty="0" smtClean="0"/>
-              <a:t>AWS</a:t>
-            </a:r>
-            <a:endParaRPr lang="en-US" dirty="0"/>
+              <a:t>Docker Implementation in AWS</a:t>
+            </a:r>
           </a:p>
         </p:txBody>
       </p:sp>
@@ -3827,10 +3823,9 @@
           <a:lstStyle/>
           <a:p>
             <a:r>
-              <a:rPr lang="en-US" dirty="0" smtClean="0"/>
+              <a:rPr lang="en-US" dirty="0"/>
               <a:t>Sample Docker Image</a:t>
             </a:r>
-            <a:endParaRPr lang="en-US" dirty="0"/>
           </a:p>
         </p:txBody>
       </p:sp>
@@ -3933,10 +3928,9 @@
           <a:lstStyle/>
           <a:p>
             <a:r>
-              <a:rPr lang="en-US" dirty="0" smtClean="0"/>
+              <a:rPr lang="en-US" dirty="0"/>
               <a:t>Docker image Layers</a:t>
             </a:r>
-            <a:endParaRPr lang="en-US" dirty="0"/>
           </a:p>
         </p:txBody>
       </p:sp>
@@ -3956,8 +3950,8 @@
         </p:blipFill>
         <p:spPr>
           <a:xfrm>
-            <a:off x="0" y="3141107"/>
-            <a:ext cx="6095138" cy="3716893"/>
+            <a:off x="0" y="3141108"/>
+            <a:ext cx="5588000" cy="3407634"/>
           </a:xfrm>
           <a:prstGeom prst="rect">
             <a:avLst/>
@@ -3987,7 +3981,7 @@
         </p:blipFill>
         <p:spPr bwMode="auto">
           <a:xfrm>
-            <a:off x="6213087" y="1165659"/>
+            <a:off x="5510354" y="1174126"/>
             <a:ext cx="5780625" cy="3716892"/>
           </a:xfrm>
           <a:prstGeom prst="rect">
@@ -4056,10 +4050,9 @@
           <a:lstStyle/>
           <a:p>
             <a:r>
-              <a:rPr lang="en-US" dirty="0" smtClean="0"/>
+              <a:rPr lang="en-US" dirty="0"/>
               <a:t>Basic Docker commands</a:t>
             </a:r>
-            <a:endParaRPr lang="en-US" dirty="0"/>
           </a:p>
         </p:txBody>
       </p:sp>
@@ -4138,10 +4131,9 @@
           <a:lstStyle/>
           <a:p>
             <a:r>
-              <a:rPr lang="en-US" dirty="0" smtClean="0"/>
+              <a:rPr lang="en-US" dirty="0"/>
               <a:t>Demo</a:t>
             </a:r>
-            <a:endParaRPr lang="en-US" dirty="0"/>
           </a:p>
         </p:txBody>
       </p:sp>
@@ -4228,10 +4220,9 @@
           <a:lstStyle/>
           <a:p>
             <a:r>
-              <a:rPr lang="en-US" dirty="0" smtClean="0"/>
+              <a:rPr lang="en-US" dirty="0"/>
               <a:t>Container Deployment At Scale</a:t>
             </a:r>
-            <a:endParaRPr lang="en-US" dirty="0"/>
           </a:p>
         </p:txBody>
       </p:sp>
@@ -4259,13 +4250,8 @@
           <a:p>
             <a:r>
               <a:rPr lang="en-US" sz="3900" dirty="0"/>
-              <a:t>Trusted </a:t>
-            </a:r>
-            <a:r>
-              <a:rPr lang="en-US" sz="3900" dirty="0" smtClean="0"/>
-              <a:t>Image Repository</a:t>
-            </a:r>
-            <a:endParaRPr lang="en-US" sz="3900" dirty="0"/>
+              <a:t>Trusted Image Repository</a:t>
+            </a:r>
           </a:p>
           <a:p>
             <a:r>
@@ -4392,10 +4378,9 @@
           <a:lstStyle/>
           <a:p>
             <a:r>
-              <a:rPr lang="en-US" dirty="0" smtClean="0"/>
+              <a:rPr lang="en-US" dirty="0"/>
               <a:t>Docker Orchestration engines</a:t>
             </a:r>
-            <a:endParaRPr lang="en-US" dirty="0"/>
           </a:p>
         </p:txBody>
       </p:sp>
@@ -4510,10 +4495,9 @@
           <a:lstStyle/>
           <a:p>
             <a:r>
-              <a:rPr lang="en-US" dirty="0" smtClean="0"/>
+              <a:rPr lang="en-US" dirty="0"/>
               <a:t>AWS ECS</a:t>
             </a:r>
-            <a:endParaRPr lang="en-US" dirty="0"/>
           </a:p>
         </p:txBody>
       </p:sp>
@@ -4609,10 +4593,9 @@
           <a:lstStyle/>
           <a:p>
             <a:r>
-              <a:rPr lang="en-US" dirty="0" smtClean="0"/>
+              <a:rPr lang="en-US" dirty="0"/>
               <a:t>AWS ECS Concepts</a:t>
             </a:r>
-            <a:endParaRPr lang="en-US" dirty="0"/>
           </a:p>
         </p:txBody>
       </p:sp>
@@ -4639,110 +4622,98 @@
           <a:lstStyle/>
           <a:p>
             <a:r>
-              <a:rPr lang="en-US" dirty="0" smtClean="0"/>
+              <a:rPr lang="en-US" dirty="0"/>
               <a:t>Container Instances</a:t>
             </a:r>
           </a:p>
           <a:p>
             <a:pPr lvl="1"/>
             <a:r>
-              <a:rPr lang="en-US" dirty="0" smtClean="0"/>
+              <a:rPr lang="en-US" dirty="0"/>
               <a:t>Traditional EC2 VMs</a:t>
             </a:r>
           </a:p>
           <a:p>
             <a:pPr lvl="1"/>
             <a:r>
-              <a:rPr lang="en-US" dirty="0" smtClean="0"/>
+              <a:rPr lang="en-US" dirty="0"/>
               <a:t>Can be custom VMs, but recommended to use Amazon ECS compatible AMI(comes with prerequisites)</a:t>
             </a:r>
           </a:p>
           <a:p>
             <a:r>
-              <a:rPr lang="en-US" dirty="0" smtClean="0"/>
+              <a:rPr lang="en-US" dirty="0"/>
               <a:t>Tasks</a:t>
             </a:r>
-            <a:endParaRPr lang="en-US" dirty="0"/>
           </a:p>
           <a:p>
             <a:pPr lvl="1"/>
             <a:r>
-              <a:rPr lang="en-US" dirty="0" smtClean="0"/>
+              <a:rPr lang="en-US" dirty="0"/>
               <a:t>Defined using Task definition – </a:t>
             </a:r>
             <a:r>
-              <a:rPr lang="en-US" dirty="0" err="1" smtClean="0"/>
+              <a:rPr lang="en-US" dirty="0" err="1"/>
               <a:t>json</a:t>
             </a:r>
             <a:r>
-              <a:rPr lang="en-US" dirty="0" smtClean="0"/>
-              <a:t> file containing all </a:t>
-            </a:r>
-            <a:r>
-              <a:rPr lang="en-US" dirty="0"/>
-              <a:t>D</a:t>
-            </a:r>
-            <a:r>
-              <a:rPr lang="en-US" dirty="0" smtClean="0"/>
-              <a:t>ocker ‘run’ arguments</a:t>
+              <a:rPr lang="en-US" dirty="0"/>
+              <a:t> file containing all Docker ‘run’ arguments</a:t>
             </a:r>
           </a:p>
           <a:p>
             <a:pPr lvl="1"/>
             <a:r>
-              <a:rPr lang="en-US" dirty="0" smtClean="0"/>
+              <a:rPr lang="en-US" dirty="0"/>
               <a:t>Task definition can contain multiple image definitions.</a:t>
             </a:r>
           </a:p>
           <a:p>
             <a:pPr lvl="1"/>
             <a:r>
-              <a:rPr lang="en-US" dirty="0" smtClean="0"/>
+              <a:rPr lang="en-US" dirty="0"/>
               <a:t>At runtime tasks are same as sets of containers.</a:t>
             </a:r>
           </a:p>
           <a:p>
             <a:pPr lvl="1"/>
             <a:r>
-              <a:rPr lang="en-US" dirty="0" smtClean="0"/>
+              <a:rPr lang="en-US" dirty="0"/>
               <a:t>Ideal for batch jobs.</a:t>
             </a:r>
           </a:p>
           <a:p>
             <a:r>
-              <a:rPr lang="en-US" dirty="0" smtClean="0"/>
+              <a:rPr lang="en-US" dirty="0"/>
               <a:t>Services</a:t>
             </a:r>
-            <a:endParaRPr lang="en-US" dirty="0"/>
           </a:p>
           <a:p>
             <a:pPr lvl="1"/>
             <a:r>
-              <a:rPr lang="en-US" dirty="0" smtClean="0"/>
+              <a:rPr lang="en-US" dirty="0"/>
               <a:t>Layer that manages and places tasks.</a:t>
             </a:r>
-            <a:endParaRPr lang="en-US" dirty="0"/>
           </a:p>
           <a:p>
             <a:pPr lvl="1"/>
             <a:r>
-              <a:rPr lang="en-US" dirty="0" smtClean="0"/>
+              <a:rPr lang="en-US" dirty="0"/>
               <a:t>A Service is made of Task, Desired replica count, Routing, placement strategy and auto scale configuration.</a:t>
             </a:r>
           </a:p>
           <a:p>
             <a:pPr lvl="1"/>
             <a:r>
-              <a:rPr lang="en-US" dirty="0" smtClean="0"/>
+              <a:rPr lang="en-US" dirty="0"/>
               <a:t>Ideal for long running services</a:t>
             </a:r>
-            <a:endParaRPr lang="en-US" dirty="0"/>
           </a:p>
           <a:p>
             <a:pPr marL="457200" lvl="1" indent="0">
               <a:buNone/>
             </a:pPr>
-            <a:endParaRPr lang="en-US" dirty="0" smtClean="0"/>
+            <a:endParaRPr lang="en-US" dirty="0"/>
           </a:p>
           <a:p>
             <a:pPr lvl="1"/>
@@ -4750,7 +4721,7 @@
           </a:p>
           <a:p>
             <a:pPr lvl="1"/>
-            <a:endParaRPr lang="en-US" dirty="0" smtClean="0"/>
+            <a:endParaRPr lang="en-US" dirty="0"/>
           </a:p>
           <a:p>
             <a:pPr marL="457200" lvl="1" indent="0">
@@ -4811,10 +4782,9 @@
           <a:lstStyle/>
           <a:p>
             <a:r>
-              <a:rPr lang="en-US" dirty="0" smtClean="0"/>
+              <a:rPr lang="en-US" dirty="0"/>
               <a:t>AWS ECS</a:t>
             </a:r>
-            <a:endParaRPr lang="en-US" dirty="0"/>
           </a:p>
         </p:txBody>
       </p:sp>
@@ -4912,10 +4882,9 @@
           <a:lstStyle/>
           <a:p>
             <a:r>
-              <a:rPr lang="en-US" dirty="0" smtClean="0"/>
+              <a:rPr lang="en-US" dirty="0"/>
               <a:t>AWS ECS Features</a:t>
             </a:r>
-            <a:endParaRPr lang="en-US" dirty="0"/>
           </a:p>
         </p:txBody>
       </p:sp>
@@ -4943,20 +4912,15 @@
           <a:p>
             <a:r>
               <a:rPr lang="en-US" sz="2600" dirty="0"/>
-              <a:t>AWS Managed </a:t>
-            </a:r>
-            <a:r>
-              <a:rPr lang="en-US" sz="2600" dirty="0" smtClean="0"/>
-              <a:t>Service</a:t>
+              <a:t>AWS Managed Service</a:t>
             </a:r>
           </a:p>
           <a:p>
             <a:pPr lvl="1"/>
             <a:r>
-              <a:rPr lang="en-US" sz="2200" dirty="0" smtClean="0"/>
+              <a:rPr lang="en-US" sz="2200" dirty="0"/>
               <a:t>Deep integration with other AWS services</a:t>
             </a:r>
-            <a:endParaRPr lang="en-US" sz="2200" dirty="0"/>
           </a:p>
           <a:p>
             <a:r>
@@ -4967,13 +4931,8 @@
           <a:p>
             <a:r>
               <a:rPr lang="en-US" sz="2600" dirty="0"/>
-              <a:t>High </a:t>
-            </a:r>
-            <a:r>
-              <a:rPr lang="en-US" sz="2600" dirty="0" smtClean="0"/>
-              <a:t>Availability – Using availability zones</a:t>
-            </a:r>
-            <a:endParaRPr lang="en-US" sz="2600" dirty="0"/>
+              <a:t>High Availability – Using availability zones</a:t>
+            </a:r>
           </a:p>
           <a:p>
             <a:r>
@@ -4984,42 +4943,7 @@
           <a:p>
             <a:r>
               <a:rPr lang="en-US" sz="2600" dirty="0"/>
-              <a:t>Centralized logging and </a:t>
-            </a:r>
-            <a:r>
-              <a:rPr lang="en-US" sz="2600" dirty="0" smtClean="0"/>
-              <a:t>monitoring – using </a:t>
-            </a:r>
-            <a:r>
-              <a:rPr lang="en-US" sz="2600" dirty="0" err="1" smtClean="0"/>
-              <a:t>CloudWatch</a:t>
-            </a:r>
-            <a:r>
-              <a:rPr lang="en-US" sz="2600" dirty="0" smtClean="0"/>
-              <a:t> logs and </a:t>
-            </a:r>
-            <a:r>
-              <a:rPr lang="en-US" sz="2600" dirty="0" err="1" smtClean="0"/>
-              <a:t>CloudWatch</a:t>
-            </a:r>
-            <a:r>
-              <a:rPr lang="en-US" sz="2600" dirty="0" smtClean="0"/>
-              <a:t> metrics</a:t>
-            </a:r>
-            <a:endParaRPr lang="en-US" sz="2600" dirty="0"/>
-          </a:p>
-          <a:p>
-            <a:r>
-              <a:rPr lang="en-US" sz="2600" dirty="0"/>
-              <a:t>Alerts and </a:t>
-            </a:r>
-            <a:r>
-              <a:rPr lang="en-US" sz="2600" dirty="0" smtClean="0"/>
-              <a:t>Notifications – </a:t>
-            </a:r>
-            <a:r>
-              <a:rPr lang="en-US" sz="2600" dirty="0"/>
-              <a:t>using </a:t>
+              <a:t>Centralized logging and monitoring – using </a:t>
             </a:r>
             <a:r>
               <a:rPr lang="en-US" sz="2600" dirty="0" err="1"/>
@@ -5027,13 +4951,30 @@
             </a:r>
             <a:r>
               <a:rPr lang="en-US" sz="2600" dirty="0"/>
-              <a:t> </a:t>
-            </a:r>
-            <a:r>
-              <a:rPr lang="en-US" sz="2600" dirty="0" smtClean="0"/>
-              <a:t>alarms</a:t>
-            </a:r>
-            <a:endParaRPr lang="en-US" sz="2600" dirty="0"/>
+              <a:t> logs and </a:t>
+            </a:r>
+            <a:r>
+              <a:rPr lang="en-US" sz="2600" dirty="0" err="1"/>
+              <a:t>CloudWatch</a:t>
+            </a:r>
+            <a:r>
+              <a:rPr lang="en-US" sz="2600" dirty="0"/>
+              <a:t> metrics</a:t>
+            </a:r>
+          </a:p>
+          <a:p>
+            <a:r>
+              <a:rPr lang="en-US" sz="2600" dirty="0"/>
+              <a:t>Alerts and Notifications – using </a:t>
+            </a:r>
+            <a:r>
+              <a:rPr lang="en-US" sz="2600" dirty="0" err="1"/>
+              <a:t>CloudWatch</a:t>
+            </a:r>
+            <a:r>
+              <a:rPr lang="en-US" sz="2600" dirty="0"/>
+              <a:t> alarms</a:t>
+            </a:r>
           </a:p>
           <a:p>
             <a:r>
@@ -5149,71 +5090,70 @@
           <a:lstStyle/>
           <a:p>
             <a:r>
-              <a:rPr lang="en-US" dirty="0" smtClean="0"/>
+              <a:rPr lang="en-US" dirty="0"/>
               <a:t>Agenda</a:t>
             </a:r>
+          </a:p>
+        </p:txBody>
+      </p:sp>
+      <p:sp>
+        <p:nvSpPr>
+          <p:cNvPr id="3" name="Content Placeholder 2"/>
+          <p:cNvSpPr>
+            <a:spLocks noGrp="1"/>
+          </p:cNvSpPr>
+          <p:nvPr>
+            <p:ph idx="1"/>
+          </p:nvPr>
+        </p:nvSpPr>
+        <p:spPr/>
+        <p:txBody>
+          <a:bodyPr/>
+          <a:lstStyle/>
+          <a:p>
+            <a:r>
+              <a:rPr lang="en-US" dirty="0"/>
+              <a:t>Templates and Proposals Application overview</a:t>
+            </a:r>
+          </a:p>
+          <a:p>
+            <a:r>
+              <a:rPr lang="en-US" dirty="0"/>
+              <a:t>Docker Basics</a:t>
+            </a:r>
+          </a:p>
+          <a:p>
+            <a:r>
+              <a:rPr lang="en-US" dirty="0"/>
+              <a:t>Container deployment at scale</a:t>
+            </a:r>
+          </a:p>
+          <a:p>
+            <a:r>
+              <a:rPr lang="en-US" dirty="0"/>
+              <a:t>Docker in AWS</a:t>
+            </a:r>
+          </a:p>
+          <a:p>
+            <a:r>
+              <a:rPr lang="en-US" dirty="0"/>
+              <a:t>Docker in Azure </a:t>
+            </a:r>
+          </a:p>
+          <a:p>
+            <a:r>
+              <a:rPr lang="en-US" dirty="0"/>
+              <a:t>Demo</a:t>
+            </a:r>
+          </a:p>
+          <a:p>
+            <a:r>
+              <a:rPr lang="en-US" dirty="0"/>
+              <a:t>Exercise</a:t>
+            </a:r>
+          </a:p>
+          <a:p>
             <a:endParaRPr lang="en-US" dirty="0"/>
-          </a:p>
-        </p:txBody>
-      </p:sp>
-      <p:sp>
-        <p:nvSpPr>
-          <p:cNvPr id="3" name="Content Placeholder 2"/>
-          <p:cNvSpPr>
-            <a:spLocks noGrp="1"/>
-          </p:cNvSpPr>
-          <p:nvPr>
-            <p:ph idx="1"/>
-          </p:nvPr>
-        </p:nvSpPr>
-        <p:spPr/>
-        <p:txBody>
-          <a:bodyPr/>
-          <a:lstStyle/>
-          <a:p>
-            <a:r>
-              <a:rPr lang="en-US" dirty="0" smtClean="0"/>
-              <a:t>Templates and Proposals Application overview</a:t>
-            </a:r>
-          </a:p>
-          <a:p>
-            <a:r>
-              <a:rPr lang="en-US" dirty="0" smtClean="0"/>
-              <a:t>Docker Basics</a:t>
-            </a:r>
-          </a:p>
-          <a:p>
-            <a:r>
-              <a:rPr lang="en-US" dirty="0" smtClean="0"/>
-              <a:t>Container deployment at scale</a:t>
-            </a:r>
-          </a:p>
-          <a:p>
-            <a:r>
-              <a:rPr lang="en-US" dirty="0" smtClean="0"/>
-              <a:t>Docker in AWS</a:t>
-            </a:r>
-          </a:p>
-          <a:p>
-            <a:r>
-              <a:rPr lang="en-US" dirty="0" smtClean="0"/>
-              <a:t>Docker in Azure </a:t>
-            </a:r>
-          </a:p>
-          <a:p>
-            <a:r>
-              <a:rPr lang="en-US" dirty="0" smtClean="0"/>
-              <a:t>Demo</a:t>
-            </a:r>
-          </a:p>
-          <a:p>
-            <a:r>
-              <a:rPr lang="en-US" dirty="0" smtClean="0"/>
-              <a:t>Exercise</a:t>
-            </a:r>
-          </a:p>
-          <a:p>
-            <a:endParaRPr lang="en-US" dirty="0" smtClean="0"/>
           </a:p>
           <a:p>
             <a:endParaRPr lang="en-US" dirty="0"/>
@@ -5271,10 +5211,9 @@
           <a:lstStyle/>
           <a:p>
             <a:r>
-              <a:rPr lang="en-US" dirty="0" smtClean="0"/>
+              <a:rPr lang="en-US" dirty="0"/>
               <a:t>AWS Services</a:t>
             </a:r>
-            <a:endParaRPr lang="en-US" dirty="0"/>
           </a:p>
         </p:txBody>
       </p:sp>
@@ -5301,147 +5240,122 @@
           <a:lstStyle/>
           <a:p>
             <a:r>
-              <a:rPr lang="en-US" sz="1600" dirty="0" smtClean="0"/>
+              <a:rPr lang="en-US" sz="1600" dirty="0"/>
               <a:t>S3 – file storage</a:t>
             </a:r>
           </a:p>
           <a:p>
             <a:r>
-              <a:rPr lang="en-US" sz="1600" dirty="0" smtClean="0"/>
+              <a:rPr lang="en-US" sz="1600" dirty="0"/>
               <a:t>EC2 – Compute resources – VMs</a:t>
             </a:r>
           </a:p>
           <a:p>
             <a:pPr lvl="1"/>
             <a:r>
-              <a:rPr lang="en-US" sz="1200" dirty="0" smtClean="0"/>
+              <a:rPr lang="en-US" sz="1200" dirty="0"/>
               <a:t>Different CPU, RAM, Hard drive and GPU configurations.</a:t>
             </a:r>
           </a:p>
           <a:p>
             <a:pPr lvl="1"/>
             <a:r>
-              <a:rPr lang="en-US" sz="1200" dirty="0" smtClean="0"/>
+              <a:rPr lang="en-US" sz="1200" dirty="0"/>
               <a:t>Supports Custom VHD also.</a:t>
             </a:r>
           </a:p>
           <a:p>
             <a:r>
-              <a:rPr lang="en-US" sz="1600" dirty="0" smtClean="0"/>
+              <a:rPr lang="en-US" sz="1600" dirty="0"/>
               <a:t>SQS – Manager Queue Service</a:t>
             </a:r>
           </a:p>
           <a:p>
             <a:pPr lvl="1"/>
             <a:r>
-              <a:rPr lang="en-US" sz="1400" dirty="0" smtClean="0"/>
+              <a:rPr lang="en-US" sz="1400" dirty="0"/>
               <a:t>FIFO Queues – exactly once processing</a:t>
             </a:r>
           </a:p>
           <a:p>
             <a:pPr lvl="1"/>
             <a:r>
-              <a:rPr lang="en-US" sz="1400" dirty="0" smtClean="0"/>
+              <a:rPr lang="en-US" sz="1400" dirty="0"/>
               <a:t>Standard queues – At least Once delivery</a:t>
             </a:r>
           </a:p>
           <a:p>
             <a:r>
-              <a:rPr lang="en-US" sz="1600" dirty="0" smtClean="0"/>
-              <a:t>KMS </a:t>
-            </a:r>
-            <a:r>
               <a:rPr lang="en-US" sz="1600" dirty="0"/>
-              <a:t>– </a:t>
-            </a:r>
-            <a:r>
-              <a:rPr lang="en-US" sz="1600" dirty="0" smtClean="0"/>
-              <a:t>Key Management Service</a:t>
-            </a:r>
-            <a:endParaRPr lang="en-US" sz="1600" dirty="0"/>
+              <a:t>KMS – Key Management Service</a:t>
+            </a:r>
           </a:p>
           <a:p>
             <a:pPr lvl="1"/>
             <a:r>
-              <a:rPr lang="en-US" sz="1400" dirty="0" smtClean="0"/>
+              <a:rPr lang="en-US" sz="1400" dirty="0"/>
               <a:t>Only symmetric keys</a:t>
             </a:r>
-            <a:endParaRPr lang="en-US" sz="1400" dirty="0"/>
           </a:p>
           <a:p>
             <a:pPr lvl="1"/>
             <a:r>
-              <a:rPr lang="en-US" sz="1400" dirty="0" smtClean="0"/>
+              <a:rPr lang="en-US" sz="1400" dirty="0"/>
               <a:t>For encryption and decryption</a:t>
             </a:r>
           </a:p>
           <a:p>
             <a:r>
-              <a:rPr lang="en-US" sz="1600" dirty="0" smtClean="0"/>
+              <a:rPr lang="en-US" sz="1600" dirty="0"/>
               <a:t>Cloud watch</a:t>
             </a:r>
-            <a:endParaRPr lang="en-US" sz="1600" dirty="0"/>
           </a:p>
           <a:p>
             <a:pPr lvl="1"/>
             <a:r>
-              <a:rPr lang="en-US" sz="1400" dirty="0" smtClean="0"/>
+              <a:rPr lang="en-US" sz="1400" dirty="0"/>
               <a:t>Central logging, Alerts and monitoring service</a:t>
             </a:r>
           </a:p>
           <a:p>
             <a:r>
-              <a:rPr lang="en-US" sz="1600" dirty="0" smtClean="0"/>
-              <a:t>ELB </a:t>
-            </a:r>
-            <a:r>
               <a:rPr lang="en-US" sz="1600" dirty="0"/>
-              <a:t>– </a:t>
-            </a:r>
-            <a:r>
-              <a:rPr lang="en-US" sz="1600" dirty="0" smtClean="0"/>
-              <a:t>Elastic Load Balancer</a:t>
-            </a:r>
-            <a:endParaRPr lang="en-US" sz="1600" dirty="0"/>
+              <a:t>ELB – Elastic Load Balancer</a:t>
+            </a:r>
           </a:p>
           <a:p>
             <a:pPr lvl="1"/>
             <a:r>
-              <a:rPr lang="en-US" sz="1400" dirty="0" smtClean="0"/>
+              <a:rPr lang="en-US" sz="1400" dirty="0"/>
               <a:t>ALB – Layer 7</a:t>
             </a:r>
           </a:p>
           <a:p>
             <a:pPr lvl="2"/>
             <a:r>
-              <a:rPr lang="en-US" sz="1400" dirty="0" smtClean="0"/>
+              <a:rPr lang="en-US" sz="1400" dirty="0"/>
               <a:t>SSL offloading</a:t>
             </a:r>
           </a:p>
           <a:p>
             <a:pPr lvl="2"/>
             <a:r>
-              <a:rPr lang="en-US" sz="1400" dirty="0" smtClean="0"/>
+              <a:rPr lang="en-US" sz="1400" dirty="0"/>
               <a:t>Path based routing</a:t>
             </a:r>
           </a:p>
           <a:p>
             <a:pPr lvl="2"/>
             <a:r>
-              <a:rPr lang="en-US" sz="1400" dirty="0" smtClean="0"/>
+              <a:rPr lang="en-US" sz="1400" dirty="0"/>
               <a:t>Only http</a:t>
             </a:r>
-            <a:endParaRPr lang="en-US" sz="1400" dirty="0"/>
           </a:p>
           <a:p>
             <a:pPr lvl="1"/>
             <a:r>
               <a:rPr lang="en-US" sz="1400" dirty="0"/>
-              <a:t>C</a:t>
-            </a:r>
-            <a:r>
-              <a:rPr lang="en-US" sz="1400" dirty="0" smtClean="0"/>
-              <a:t>LB – Layer 4</a:t>
+              <a:t>CLB – Layer 4</a:t>
             </a:r>
           </a:p>
           <a:p>
@@ -5449,7 +5363,7 @@
               <a:buNone/>
             </a:pPr>
             <a:r>
-              <a:rPr lang="en-US" sz="1400" dirty="0" smtClean="0"/>
+              <a:rPr lang="en-US" sz="1400" dirty="0"/>
               <a:t>	. Supports TCP and HTTP</a:t>
             </a:r>
           </a:p>
@@ -5457,7 +5371,7 @@
             <a:pPr marL="457200" lvl="1" indent="0">
               <a:buNone/>
             </a:pPr>
-            <a:endParaRPr lang="en-US" sz="1200" dirty="0" smtClean="0"/>
+            <a:endParaRPr lang="en-US" sz="1200" dirty="0"/>
           </a:p>
           <a:p>
             <a:pPr marL="457200" lvl="1" indent="0">
@@ -5480,13 +5394,7 @@
           </a:p>
           <a:p>
             <a:pPr lvl="1"/>
-            <a:endParaRPr lang="en-US" dirty="0" smtClean="0"/>
-          </a:p>
-          <a:p>
-            <a:pPr marL="457200" lvl="1" indent="0">
-              <a:buNone/>
-            </a:pPr>
-            <a:endParaRPr lang="en-US" dirty="0" smtClean="0"/>
+            <a:endParaRPr lang="en-US" dirty="0"/>
           </a:p>
           <a:p>
             <a:pPr marL="457200" lvl="1" indent="0">
@@ -5498,13 +5406,19 @@
             <a:pPr marL="457200" lvl="1" indent="0">
               <a:buNone/>
             </a:pPr>
-            <a:endParaRPr lang="en-US" dirty="0" smtClean="0"/>
+            <a:endParaRPr lang="en-US" dirty="0"/>
           </a:p>
           <a:p>
             <a:pPr marL="457200" lvl="1" indent="0">
               <a:buNone/>
             </a:pPr>
-            <a:endParaRPr lang="en-US" dirty="0" smtClean="0"/>
+            <a:endParaRPr lang="en-US" dirty="0"/>
+          </a:p>
+          <a:p>
+            <a:pPr marL="457200" lvl="1" indent="0">
+              <a:buNone/>
+            </a:pPr>
+            <a:endParaRPr lang="en-US" dirty="0"/>
           </a:p>
         </p:txBody>
       </p:sp>
@@ -5559,10 +5473,9 @@
           <a:lstStyle/>
           <a:p>
             <a:r>
-              <a:rPr lang="en-US" dirty="0" smtClean="0"/>
+              <a:rPr lang="en-US" dirty="0"/>
               <a:t>AWS Services</a:t>
             </a:r>
-            <a:endParaRPr lang="en-US" dirty="0"/>
           </a:p>
         </p:txBody>
       </p:sp>
@@ -5589,99 +5502,94 @@
           <a:lstStyle/>
           <a:p>
             <a:r>
-              <a:rPr lang="en-US" sz="1600" dirty="0" smtClean="0"/>
+              <a:rPr lang="en-US" sz="1600" dirty="0"/>
               <a:t>Cloud formation</a:t>
             </a:r>
           </a:p>
           <a:p>
             <a:pPr lvl="1"/>
             <a:r>
-              <a:rPr lang="en-US" sz="1400" dirty="0" smtClean="0"/>
+              <a:rPr lang="en-US" sz="1400" dirty="0"/>
               <a:t>Infrastructure as code</a:t>
             </a:r>
           </a:p>
           <a:p>
             <a:pPr lvl="1"/>
             <a:r>
-              <a:rPr lang="en-US" sz="1400" dirty="0" smtClean="0"/>
+              <a:rPr lang="en-US" sz="1400" dirty="0"/>
               <a:t>Easy to manage whole infrastructure.</a:t>
             </a:r>
           </a:p>
           <a:p>
             <a:r>
-              <a:rPr lang="en-US" sz="1600" dirty="0" smtClean="0"/>
+              <a:rPr lang="en-US" sz="1600" dirty="0"/>
               <a:t>Code pipeline</a:t>
             </a:r>
-            <a:endParaRPr lang="en-US" sz="1600" dirty="0"/>
           </a:p>
           <a:p>
             <a:pPr lvl="1"/>
             <a:r>
-              <a:rPr lang="en-US" sz="1400" dirty="0" smtClean="0"/>
+              <a:rPr lang="en-US" sz="1400" dirty="0"/>
               <a:t>Workflow for deployment Automation</a:t>
             </a:r>
-            <a:endParaRPr lang="en-US" sz="1400" dirty="0"/>
           </a:p>
           <a:p>
             <a:pPr lvl="1"/>
             <a:r>
-              <a:rPr lang="en-US" sz="1400" dirty="0" smtClean="0"/>
+              <a:rPr lang="en-US" sz="1400" dirty="0"/>
               <a:t>Supports cloud formation in S3, code commit and GitHub etc.</a:t>
             </a:r>
           </a:p>
           <a:p>
             <a:r>
-              <a:rPr lang="en-US" sz="1600" dirty="0" smtClean="0"/>
+              <a:rPr lang="en-US" sz="1600" dirty="0"/>
               <a:t>SNS – Simple Notification Service</a:t>
             </a:r>
-            <a:endParaRPr lang="en-US" sz="1600" dirty="0"/>
           </a:p>
           <a:p>
             <a:pPr lvl="1"/>
             <a:r>
-              <a:rPr lang="en-US" sz="1400" dirty="0" smtClean="0"/>
+              <a:rPr lang="en-US" sz="1400" dirty="0"/>
               <a:t>Alerts and Notifications – manager pub-sub service</a:t>
             </a:r>
           </a:p>
           <a:p>
             <a:pPr lvl="1"/>
             <a:r>
-              <a:rPr lang="en-US" sz="1400" dirty="0" smtClean="0"/>
+              <a:rPr lang="en-US" sz="1400" dirty="0"/>
               <a:t>Supports email, SMS etc..</a:t>
             </a:r>
           </a:p>
           <a:p>
             <a:r>
-              <a:rPr lang="en-US" sz="1600" dirty="0" smtClean="0"/>
+              <a:rPr lang="en-US" sz="1600" dirty="0"/>
               <a:t>Security Groups</a:t>
             </a:r>
-            <a:endParaRPr lang="en-US" sz="1600" dirty="0"/>
           </a:p>
           <a:p>
             <a:pPr lvl="1"/>
             <a:r>
-              <a:rPr lang="en-US" sz="1400" dirty="0" smtClean="0"/>
+              <a:rPr lang="en-US" sz="1400" dirty="0"/>
               <a:t>Similar to fire wall rule</a:t>
             </a:r>
-            <a:endParaRPr lang="en-US" sz="1400" dirty="0"/>
           </a:p>
           <a:p>
             <a:pPr lvl="1"/>
             <a:r>
-              <a:rPr lang="en-US" sz="1400" dirty="0" smtClean="0"/>
+              <a:rPr lang="en-US" sz="1400" dirty="0"/>
               <a:t>Rules to control inbound and outbound traffic between different AWS components.</a:t>
             </a:r>
           </a:p>
           <a:p>
             <a:r>
-              <a:rPr lang="en-US" sz="1600" dirty="0" smtClean="0"/>
+              <a:rPr lang="en-US" sz="1600" dirty="0"/>
               <a:t>Lambda</a:t>
             </a:r>
           </a:p>
           <a:p>
             <a:pPr lvl="1"/>
             <a:r>
-              <a:rPr lang="en-US" sz="1200" dirty="0" smtClean="0"/>
+              <a:rPr lang="en-US" sz="1200" dirty="0"/>
               <a:t>Server less functions.</a:t>
             </a:r>
           </a:p>
@@ -5693,7 +5601,7 @@
             <a:pPr marL="457200" lvl="1" indent="0">
               <a:buNone/>
             </a:pPr>
-            <a:endParaRPr lang="en-US" sz="1200" dirty="0" smtClean="0"/>
+            <a:endParaRPr lang="en-US" sz="1200" dirty="0"/>
           </a:p>
           <a:p>
             <a:pPr marL="457200" lvl="1" indent="0">
@@ -5716,13 +5624,7 @@
           </a:p>
           <a:p>
             <a:pPr lvl="1"/>
-            <a:endParaRPr lang="en-US" dirty="0" smtClean="0"/>
-          </a:p>
-          <a:p>
-            <a:pPr marL="457200" lvl="1" indent="0">
-              <a:buNone/>
-            </a:pPr>
-            <a:endParaRPr lang="en-US" dirty="0" smtClean="0"/>
+            <a:endParaRPr lang="en-US" dirty="0"/>
           </a:p>
           <a:p>
             <a:pPr marL="457200" lvl="1" indent="0">
@@ -5734,13 +5636,19 @@
             <a:pPr marL="457200" lvl="1" indent="0">
               <a:buNone/>
             </a:pPr>
-            <a:endParaRPr lang="en-US" dirty="0" smtClean="0"/>
+            <a:endParaRPr lang="en-US" dirty="0"/>
           </a:p>
           <a:p>
             <a:pPr marL="457200" lvl="1" indent="0">
               <a:buNone/>
             </a:pPr>
-            <a:endParaRPr lang="en-US" dirty="0" smtClean="0"/>
+            <a:endParaRPr lang="en-US" dirty="0"/>
+          </a:p>
+          <a:p>
+            <a:pPr marL="457200" lvl="1" indent="0">
+              <a:buNone/>
+            </a:pPr>
+            <a:endParaRPr lang="en-US" dirty="0"/>
           </a:p>
         </p:txBody>
       </p:sp>
@@ -5795,10 +5703,9 @@
           <a:lstStyle/>
           <a:p>
             <a:r>
-              <a:rPr lang="en-US" dirty="0" smtClean="0"/>
+              <a:rPr lang="en-US" dirty="0"/>
               <a:t>TNP Network Diagram</a:t>
             </a:r>
-            <a:endParaRPr lang="en-US" dirty="0"/>
           </a:p>
         </p:txBody>
       </p:sp>
@@ -5877,10 +5784,9 @@
           <a:lstStyle/>
           <a:p>
             <a:r>
-              <a:rPr lang="en-US" dirty="0" smtClean="0"/>
+              <a:rPr lang="en-US" dirty="0"/>
               <a:t>Demo</a:t>
             </a:r>
-            <a:endParaRPr lang="en-US" dirty="0"/>
           </a:p>
         </p:txBody>
       </p:sp>
@@ -5935,10 +5841,9 @@
           <a:lstStyle/>
           <a:p>
             <a:r>
-              <a:rPr lang="en-US" dirty="0" smtClean="0"/>
+              <a:rPr lang="en-US" dirty="0"/>
               <a:t>Docker in Azure</a:t>
             </a:r>
-            <a:endParaRPr lang="en-US" dirty="0"/>
           </a:p>
         </p:txBody>
       </p:sp>
@@ -6089,20 +5994,15 @@
           <a:p>
             <a:r>
               <a:rPr lang="en-US" dirty="0"/>
-              <a:t>Manger Nodes and Worker Nodes – Raft </a:t>
-            </a:r>
-            <a:r>
-              <a:rPr lang="en-US" dirty="0" smtClean="0"/>
-              <a:t>consensus</a:t>
+              <a:t>Manger Nodes and Worker Nodes – Raft consensus</a:t>
             </a:r>
           </a:p>
           <a:p>
             <a:pPr lvl="1"/>
             <a:r>
-              <a:rPr lang="en-US" dirty="0" smtClean="0"/>
+              <a:rPr lang="en-US" dirty="0"/>
               <a:t>Need to manage ourselves</a:t>
             </a:r>
-            <a:endParaRPr lang="en-US" dirty="0"/>
           </a:p>
           <a:p>
             <a:r>
@@ -6202,10 +6102,9 @@
           <a:lstStyle/>
           <a:p>
             <a:r>
-              <a:rPr lang="en-US" dirty="0" smtClean="0"/>
+              <a:rPr lang="en-US" dirty="0"/>
               <a:t>Docker Swarm VS AWS ECS</a:t>
             </a:r>
-            <a:endParaRPr lang="en-US" dirty="0"/>
           </a:p>
         </p:txBody>
       </p:sp>
@@ -6264,10 +6163,9 @@
                     <a:lstStyle/>
                     <a:p>
                       <a:r>
-                        <a:rPr lang="en-US" dirty="0" smtClean="0"/>
+                        <a:rPr lang="en-US" dirty="0"/>
                         <a:t>Feature</a:t>
                       </a:r>
-                      <a:endParaRPr lang="en-US" dirty="0"/>
                     </a:p>
                   </a:txBody>
                   <a:tcPr/>
@@ -6278,10 +6176,9 @@
                     <a:lstStyle/>
                     <a:p>
                       <a:r>
-                        <a:rPr lang="en-US" dirty="0" smtClean="0"/>
+                        <a:rPr lang="en-US" dirty="0"/>
                         <a:t>Swarm</a:t>
                       </a:r>
-                      <a:endParaRPr lang="en-US" dirty="0"/>
                     </a:p>
                   </a:txBody>
                   <a:tcPr/>
@@ -6292,10 +6189,9 @@
                     <a:lstStyle/>
                     <a:p>
                       <a:r>
-                        <a:rPr lang="en-US" dirty="0" smtClean="0"/>
+                        <a:rPr lang="en-US" dirty="0"/>
                         <a:t>ECS</a:t>
                       </a:r>
-                      <a:endParaRPr lang="en-US" dirty="0"/>
                     </a:p>
                   </a:txBody>
                   <a:tcPr/>
@@ -6313,11 +6209,11 @@
                     <a:lstStyle/>
                     <a:p>
                       <a:r>
-                        <a:rPr lang="en-US" dirty="0" smtClean="0"/>
+                        <a:rPr lang="en-US" dirty="0"/>
                         <a:t>Service</a:t>
                       </a:r>
                       <a:r>
-                        <a:rPr lang="en-US" baseline="0" dirty="0" smtClean="0"/>
+                        <a:rPr lang="en-US" baseline="0" dirty="0"/>
                         <a:t> Discovery</a:t>
                       </a:r>
                       <a:endParaRPr lang="en-US" dirty="0"/>
@@ -6331,10 +6227,9 @@
                     <a:lstStyle/>
                     <a:p>
                       <a:r>
-                        <a:rPr lang="en-US" dirty="0" smtClean="0"/>
+                        <a:rPr lang="en-US" dirty="0"/>
                         <a:t>In built</a:t>
                       </a:r>
-                      <a:endParaRPr lang="en-US" dirty="0"/>
                     </a:p>
                   </a:txBody>
                   <a:tcPr/>
@@ -6345,10 +6240,9 @@
                     <a:lstStyle/>
                     <a:p>
                       <a:r>
-                        <a:rPr lang="en-US" dirty="0" smtClean="0"/>
+                        <a:rPr lang="en-US" dirty="0"/>
                         <a:t>Third party tools</a:t>
                       </a:r>
-                      <a:endParaRPr lang="en-US" dirty="0"/>
                     </a:p>
                   </a:txBody>
                   <a:tcPr/>
@@ -6366,11 +6260,11 @@
                     <a:lstStyle/>
                     <a:p>
                       <a:r>
-                        <a:rPr lang="en-US" dirty="0" smtClean="0"/>
+                        <a:rPr lang="en-US" dirty="0"/>
                         <a:t>Network</a:t>
                       </a:r>
                       <a:r>
-                        <a:rPr lang="en-US" baseline="0" dirty="0" smtClean="0"/>
+                        <a:rPr lang="en-US" baseline="0" dirty="0"/>
                         <a:t> Isolation in Cluster</a:t>
                       </a:r>
                       <a:endParaRPr lang="en-US" dirty="0"/>
@@ -6384,10 +6278,9 @@
                     <a:lstStyle/>
                     <a:p>
                       <a:r>
-                        <a:rPr lang="en-US" dirty="0" smtClean="0"/>
+                        <a:rPr lang="en-US" dirty="0"/>
                         <a:t>Overlay Networks</a:t>
                       </a:r>
-                      <a:endParaRPr lang="en-US" dirty="0"/>
                     </a:p>
                   </a:txBody>
                   <a:tcPr/>
@@ -6398,10 +6291,9 @@
                     <a:lstStyle/>
                     <a:p>
                       <a:r>
-                        <a:rPr lang="en-US" dirty="0" smtClean="0"/>
+                        <a:rPr lang="en-US" dirty="0"/>
                         <a:t>No, Can be achieved thru security groups</a:t>
                       </a:r>
-                      <a:endParaRPr lang="en-US" dirty="0"/>
                     </a:p>
                   </a:txBody>
                   <a:tcPr/>
@@ -6419,10 +6311,9 @@
                     <a:lstStyle/>
                     <a:p>
                       <a:r>
-                        <a:rPr lang="en-US" dirty="0" smtClean="0"/>
+                        <a:rPr lang="en-US" dirty="0"/>
                         <a:t>Logging/Monitoring</a:t>
                       </a:r>
-                      <a:endParaRPr lang="en-US" dirty="0"/>
                     </a:p>
                   </a:txBody>
                   <a:tcPr/>
@@ -6433,10 +6324,9 @@
                     <a:lstStyle/>
                     <a:p>
                       <a:r>
-                        <a:rPr lang="en-US" dirty="0" smtClean="0"/>
+                        <a:rPr lang="en-US" dirty="0"/>
                         <a:t>Third party</a:t>
                       </a:r>
-                      <a:endParaRPr lang="en-US" dirty="0"/>
                     </a:p>
                   </a:txBody>
                   <a:tcPr/>
@@ -6447,11 +6337,11 @@
                     <a:lstStyle/>
                     <a:p>
                       <a:r>
-                        <a:rPr lang="en-US" dirty="0" smtClean="0"/>
+                        <a:rPr lang="en-US" dirty="0"/>
                         <a:t>In built using </a:t>
                       </a:r>
                       <a:r>
-                        <a:rPr lang="en-US" dirty="0" err="1" smtClean="0"/>
+                        <a:rPr lang="en-US" dirty="0" err="1"/>
                         <a:t>Cloudwatch</a:t>
                       </a:r>
                       <a:endParaRPr lang="en-US" dirty="0"/>
@@ -6472,11 +6362,11 @@
                     <a:lstStyle/>
                     <a:p>
                       <a:r>
-                        <a:rPr lang="en-US" dirty="0" smtClean="0"/>
+                        <a:rPr lang="en-US" dirty="0"/>
                         <a:t>Node TLS</a:t>
                       </a:r>
                       <a:r>
-                        <a:rPr lang="en-US" baseline="0" dirty="0" smtClean="0"/>
+                        <a:rPr lang="en-US" baseline="0" dirty="0"/>
                         <a:t> Traffic</a:t>
                       </a:r>
                       <a:endParaRPr lang="en-US" dirty="0"/>
@@ -6490,10 +6380,9 @@
                     <a:lstStyle/>
                     <a:p>
                       <a:r>
-                        <a:rPr lang="en-US" dirty="0" smtClean="0"/>
+                        <a:rPr lang="en-US" dirty="0"/>
                         <a:t>In built</a:t>
                       </a:r>
-                      <a:endParaRPr lang="en-US" dirty="0"/>
                     </a:p>
                   </a:txBody>
                   <a:tcPr/>
@@ -6504,11 +6393,11 @@
                     <a:lstStyle/>
                     <a:p>
                       <a:r>
-                        <a:rPr lang="en-US" dirty="0" smtClean="0"/>
+                        <a:rPr lang="en-US" dirty="0"/>
                         <a:t>Implement</a:t>
                       </a:r>
                       <a:r>
-                        <a:rPr lang="en-US" baseline="0" dirty="0" smtClean="0"/>
+                        <a:rPr lang="en-US" baseline="0" dirty="0"/>
                         <a:t> manually</a:t>
                       </a:r>
                       <a:endParaRPr lang="en-US" dirty="0"/>
@@ -6529,10 +6418,9 @@
                     <a:lstStyle/>
                     <a:p>
                       <a:r>
-                        <a:rPr lang="en-US" dirty="0" smtClean="0"/>
+                        <a:rPr lang="en-US" dirty="0"/>
                         <a:t>Secrets</a:t>
                       </a:r>
-                      <a:endParaRPr lang="en-US" dirty="0"/>
                     </a:p>
                   </a:txBody>
                   <a:tcPr/>
@@ -6543,10 +6431,9 @@
                     <a:lstStyle/>
                     <a:p>
                       <a:r>
-                        <a:rPr lang="en-US" dirty="0" smtClean="0"/>
+                        <a:rPr lang="en-US" dirty="0"/>
                         <a:t>In built Docker secrets</a:t>
                       </a:r>
-                      <a:endParaRPr lang="en-US" dirty="0"/>
                     </a:p>
                   </a:txBody>
                   <a:tcPr/>
@@ -6557,11 +6444,11 @@
                     <a:lstStyle/>
                     <a:p>
                       <a:r>
-                        <a:rPr lang="en-US" dirty="0" smtClean="0"/>
+                        <a:rPr lang="en-US" dirty="0"/>
                         <a:t>Manual</a:t>
                       </a:r>
                       <a:r>
-                        <a:rPr lang="en-US" baseline="0" dirty="0" smtClean="0"/>
+                        <a:rPr lang="en-US" baseline="0" dirty="0"/>
                         <a:t> Implementation using KMS</a:t>
                       </a:r>
                       <a:endParaRPr lang="en-US" dirty="0"/>
@@ -6582,10 +6469,9 @@
                     <a:lstStyle/>
                     <a:p>
                       <a:r>
-                        <a:rPr lang="en-US" dirty="0" smtClean="0"/>
+                        <a:rPr lang="en-US" dirty="0"/>
                         <a:t>Service update rollbacks</a:t>
                       </a:r>
-                      <a:endParaRPr lang="en-US" dirty="0"/>
                     </a:p>
                   </a:txBody>
                   <a:tcPr/>
@@ -6596,10 +6482,9 @@
                     <a:lstStyle/>
                     <a:p>
                       <a:r>
-                        <a:rPr lang="en-US" dirty="0" smtClean="0"/>
+                        <a:rPr lang="en-US" dirty="0"/>
                         <a:t>Yes</a:t>
                       </a:r>
-                      <a:endParaRPr lang="en-US" dirty="0"/>
                     </a:p>
                   </a:txBody>
                   <a:tcPr/>
@@ -6610,10 +6495,9 @@
                     <a:lstStyle/>
                     <a:p>
                       <a:r>
-                        <a:rPr lang="en-US" dirty="0" smtClean="0"/>
+                        <a:rPr lang="en-US" dirty="0"/>
                         <a:t>No</a:t>
                       </a:r>
-                      <a:endParaRPr lang="en-US" dirty="0"/>
                     </a:p>
                   </a:txBody>
                   <a:tcPr/>
@@ -6631,10 +6515,9 @@
                     <a:lstStyle/>
                     <a:p>
                       <a:r>
-                        <a:rPr lang="en-US" dirty="0" smtClean="0"/>
+                        <a:rPr lang="en-US" dirty="0"/>
                         <a:t>Auto scale</a:t>
                       </a:r>
-                      <a:endParaRPr lang="en-US" dirty="0"/>
                     </a:p>
                   </a:txBody>
                   <a:tcPr/>
@@ -6645,19 +6528,19 @@
                     <a:lstStyle/>
                     <a:p>
                       <a:r>
-                        <a:rPr lang="en-US" dirty="0" smtClean="0"/>
+                        <a:rPr lang="en-US" dirty="0"/>
                         <a:t>Third</a:t>
                       </a:r>
                       <a:r>
-                        <a:rPr lang="en-US" baseline="0" dirty="0" smtClean="0"/>
+                        <a:rPr lang="en-US" baseline="0" dirty="0"/>
                         <a:t> party tools using Docker </a:t>
                       </a:r>
                       <a:r>
-                        <a:rPr lang="en-US" baseline="0" dirty="0" err="1" smtClean="0"/>
+                        <a:rPr lang="en-US" baseline="0" dirty="0" err="1"/>
                         <a:t>Api</a:t>
                       </a:r>
                       <a:r>
-                        <a:rPr lang="en-US" baseline="0" dirty="0" smtClean="0"/>
+                        <a:rPr lang="en-US" baseline="0" dirty="0"/>
                         <a:t> events</a:t>
                       </a:r>
                       <a:endParaRPr lang="en-US" dirty="0"/>
@@ -6671,11 +6554,11 @@
                     <a:lstStyle/>
                     <a:p>
                       <a:r>
-                        <a:rPr lang="en-US" dirty="0" smtClean="0"/>
+                        <a:rPr lang="en-US" dirty="0"/>
                         <a:t>In built</a:t>
                       </a:r>
                       <a:r>
-                        <a:rPr lang="en-US" baseline="0" dirty="0" smtClean="0"/>
+                        <a:rPr lang="en-US" baseline="0" dirty="0"/>
                         <a:t> at EC2 and Service</a:t>
                       </a:r>
                       <a:endParaRPr lang="en-US" dirty="0"/>
@@ -6696,11 +6579,11 @@
                     <a:lstStyle/>
                     <a:p>
                       <a:r>
-                        <a:rPr lang="en-US" dirty="0" smtClean="0"/>
+                        <a:rPr lang="en-US" dirty="0"/>
                         <a:t>Alters and</a:t>
                       </a:r>
                       <a:r>
-                        <a:rPr lang="en-US" baseline="0" dirty="0" smtClean="0"/>
+                        <a:rPr lang="en-US" baseline="0" dirty="0"/>
                         <a:t> Notifications</a:t>
                       </a:r>
                       <a:endParaRPr lang="en-US" dirty="0"/>
@@ -6731,22 +6614,22 @@
                         <a:defRPr/>
                       </a:pPr>
                       <a:r>
-                        <a:rPr lang="en-US" dirty="0" smtClean="0"/>
+                        <a:rPr lang="en-US" dirty="0"/>
                         <a:t>Third</a:t>
                       </a:r>
                       <a:r>
-                        <a:rPr lang="en-US" baseline="0" dirty="0" smtClean="0"/>
+                        <a:rPr lang="en-US" baseline="0" dirty="0"/>
                         <a:t> party tools using Docker </a:t>
                       </a:r>
                       <a:r>
-                        <a:rPr lang="en-US" baseline="0" dirty="0" err="1" smtClean="0"/>
+                        <a:rPr lang="en-US" baseline="0" dirty="0" err="1"/>
                         <a:t>Api</a:t>
                       </a:r>
                       <a:r>
-                        <a:rPr lang="en-US" baseline="0" dirty="0" smtClean="0"/>
+                        <a:rPr lang="en-US" baseline="0" dirty="0"/>
                         <a:t> events</a:t>
                       </a:r>
-                      <a:endParaRPr lang="en-US" dirty="0" smtClean="0"/>
+                      <a:endParaRPr lang="en-US" dirty="0"/>
                     </a:p>
                   </a:txBody>
                   <a:tcPr/>
@@ -6757,11 +6640,11 @@
                     <a:lstStyle/>
                     <a:p>
                       <a:r>
-                        <a:rPr lang="en-US" dirty="0" smtClean="0"/>
+                        <a:rPr lang="en-US" dirty="0"/>
                         <a:t>Cloud Watch</a:t>
                       </a:r>
                       <a:r>
-                        <a:rPr lang="en-US" baseline="0" dirty="0" smtClean="0"/>
+                        <a:rPr lang="en-US" baseline="0" dirty="0"/>
                         <a:t> Alarms and AWS SNS notifications</a:t>
                       </a:r>
                       <a:endParaRPr lang="en-US" dirty="0"/>
@@ -6830,10 +6713,9 @@
           <a:lstStyle/>
           <a:p>
             <a:r>
-              <a:rPr lang="en-US" dirty="0" smtClean="0"/>
+              <a:rPr lang="en-US" dirty="0"/>
               <a:t>TNP Performance Numbers</a:t>
             </a:r>
-            <a:endParaRPr lang="en-US" dirty="0"/>
           </a:p>
         </p:txBody>
       </p:sp>
@@ -6883,13 +6765,8 @@
           <a:p>
             <a:r>
               <a:rPr lang="en-US" dirty="0"/>
-              <a:t>~ 38,000 </a:t>
-            </a:r>
-            <a:r>
-              <a:rPr lang="en-US" dirty="0" smtClean="0"/>
-              <a:t>successful requests</a:t>
-            </a:r>
-            <a:endParaRPr lang="en-US" dirty="0"/>
+              <a:t>~ 38,000 successful requests</a:t>
+            </a:r>
           </a:p>
           <a:p>
             <a:r>
@@ -6987,10 +6864,9 @@
           <a:lstStyle/>
           <a:p>
             <a:r>
-              <a:rPr lang="en-US" dirty="0" smtClean="0"/>
+              <a:rPr lang="en-US" dirty="0"/>
               <a:t>REFERENCES</a:t>
             </a:r>
-            <a:endParaRPr lang="en-US" dirty="0"/>
           </a:p>
         </p:txBody>
       </p:sp>
@@ -7144,7 +7020,7 @@
         </p:nvSpPr>
         <p:spPr>
           <a:xfrm>
-            <a:off x="0" y="0"/>
+            <a:off x="0" y="8509"/>
             <a:ext cx="11157856" cy="1325563"/>
           </a:xfrm>
         </p:spPr>
@@ -7154,7 +7030,7 @@
           <a:p>
             <a:r>
               <a:rPr lang="en-US" dirty="0" smtClean="0"/>
-              <a:t>Exercise</a:t>
+              <a:t>AWS login details</a:t>
             </a:r>
             <a:endParaRPr lang="en-US" dirty="0"/>
           </a:p>
@@ -7162,40 +7038,189 @@
       </p:sp>
       <p:sp>
         <p:nvSpPr>
-          <p:cNvPr id="3" name="Content Placeholder 2"/>
-          <p:cNvSpPr>
-            <a:spLocks noGrp="1"/>
+          <p:cNvPr id="4" name="Rectangle 1"/>
+          <p:cNvSpPr>
+            <a:spLocks noGrp="1" noChangeArrowheads="1"/>
           </p:cNvSpPr>
           <p:nvPr>
             <p:ph idx="1"/>
           </p:nvPr>
         </p:nvSpPr>
-        <p:spPr>
+        <p:spPr bwMode="auto">
           <a:xfrm>
-            <a:off x="0" y="1325562"/>
-            <a:ext cx="11157857" cy="5532437"/>
+            <a:off x="51380" y="1000051"/>
+            <a:ext cx="11396908" cy="3323405"/>
           </a:xfrm>
+          <a:prstGeom prst="rect">
+            <a:avLst/>
+          </a:prstGeom>
+          <a:noFill/>
+          <a:ln>
+            <a:noFill/>
+          </a:ln>
+          <a:effectLst/>
+          <a:extLst>
+            <a:ext uri="{909E8E84-426E-40DD-AFC4-6F175D3DCCD1}">
+              <a14:hiddenFill xmlns:a14="http://schemas.microsoft.com/office/drawing/2010/main">
+                <a:solidFill>
+                  <a:schemeClr val="accent1"/>
+                </a:solidFill>
+              </a14:hiddenFill>
+            </a:ext>
+            <a:ext uri="{91240B29-F687-4F45-9708-019B960494DF}">
+              <a14:hiddenLine xmlns:a14="http://schemas.microsoft.com/office/drawing/2010/main" w="9525">
+                <a:solidFill>
+                  <a:schemeClr val="tx1"/>
+                </a:solidFill>
+                <a:miter lim="800000"/>
+                <a:headEnd/>
+                <a:tailEnd/>
+              </a14:hiddenLine>
+            </a:ext>
+            <a:ext uri="{AF507438-7753-43E0-B8FC-AC1667EBCBE1}">
+              <a14:hiddenEffects xmlns:a14="http://schemas.microsoft.com/office/drawing/2010/main">
+                <a:effectLst>
+                  <a:outerShdw dist="35921" dir="2700000" algn="ctr" rotWithShape="0">
+                    <a:schemeClr val="bg2"/>
+                  </a:outerShdw>
+                </a:effectLst>
+              </a14:hiddenEffects>
+            </a:ext>
+          </a:extLst>
         </p:spPr>
         <p:txBody>
-          <a:bodyPr/>
-          <a:lstStyle/>
-          <a:p>
-            <a:r>
-              <a:rPr lang="en-US" dirty="0" smtClean="0"/>
-              <a:t>Instructions - </a:t>
-            </a:r>
-            <a:r>
-              <a:rPr lang="en-US" smtClean="0"/>
-              <a:t>ToDO</a:t>
-            </a:r>
-            <a:endParaRPr lang="en-US" dirty="0"/>
+          <a:bodyPr vert="horz" wrap="square" lIns="914112" tIns="914112" rIns="914112" bIns="914112" numCol="1" anchor="ctr" anchorCtr="0" compatLnSpc="1">
+            <a:prstTxWarp prst="textNoShape">
+              <a:avLst/>
+            </a:prstTxWarp>
+            <a:spAutoFit/>
+          </a:bodyPr>
+          <a:lstStyle/>
+          <a:p>
+            <a:pPr eaLnBrk="0" fontAlgn="base" hangingPunct="0">
+              <a:lnSpc>
+                <a:spcPct val="100000"/>
+              </a:lnSpc>
+              <a:spcBef>
+                <a:spcPct val="0"/>
+              </a:spcBef>
+              <a:spcAft>
+                <a:spcPct val="0"/>
+              </a:spcAft>
+            </a:pPr>
+            <a:r>
+              <a:rPr kumimoji="0" lang="en-US" altLang="en-US" sz="3200" b="0" i="0" u="none" strike="noStrike" cap="none" normalizeH="0" baseline="0" dirty="0" smtClean="0">
+                <a:ln>
+                  <a:noFill/>
+                </a:ln>
+                <a:solidFill>
+                  <a:srgbClr val="000000"/>
+                </a:solidFill>
+                <a:effectLst/>
+                <a:latin typeface="Segoe UI" panose="020B0502040204020203" pitchFamily="34" charset="0"/>
+                <a:cs typeface="Segoe UI" panose="020B0502040204020203" pitchFamily="34" charset="0"/>
+                <a:hlinkClick r:id="rId2"/>
+              </a:rPr>
+              <a:t>https://codecamp.signin.aws.amazon.com/console</a:t>
+            </a:r>
+            <a:endParaRPr kumimoji="0" lang="en-US" altLang="en-US" sz="3200" b="0" i="0" u="none" strike="noStrike" cap="none" normalizeH="0" baseline="0" dirty="0" smtClean="0">
+              <a:ln>
+                <a:noFill/>
+              </a:ln>
+              <a:solidFill>
+                <a:srgbClr val="000000"/>
+              </a:solidFill>
+              <a:effectLst/>
+              <a:latin typeface="Segoe UI" panose="020B0502040204020203" pitchFamily="34" charset="0"/>
+              <a:cs typeface="Segoe UI" panose="020B0502040204020203" pitchFamily="34" charset="0"/>
+            </a:endParaRPr>
+          </a:p>
+          <a:p>
+            <a:pPr eaLnBrk="0" fontAlgn="base" hangingPunct="0">
+              <a:lnSpc>
+                <a:spcPct val="100000"/>
+              </a:lnSpc>
+              <a:spcBef>
+                <a:spcPct val="0"/>
+              </a:spcBef>
+              <a:spcAft>
+                <a:spcPct val="0"/>
+              </a:spcAft>
+            </a:pPr>
+            <a:r>
+              <a:rPr lang="en-US" altLang="en-US" sz="3200" dirty="0" smtClean="0">
+                <a:solidFill>
+                  <a:srgbClr val="000000"/>
+                </a:solidFill>
+                <a:latin typeface="Segoe UI" panose="020B0502040204020203" pitchFamily="34" charset="0"/>
+                <a:cs typeface="Segoe UI" panose="020B0502040204020203" pitchFamily="34" charset="0"/>
+              </a:rPr>
+              <a:t>Username: TrainingUser1,</a:t>
+            </a:r>
+            <a:r>
+              <a:rPr lang="en-US" altLang="en-US" sz="3200" dirty="0">
+                <a:solidFill>
+                  <a:srgbClr val="000000"/>
+                </a:solidFill>
+                <a:latin typeface="Segoe UI" panose="020B0502040204020203" pitchFamily="34" charset="0"/>
+                <a:cs typeface="Segoe UI" panose="020B0502040204020203" pitchFamily="34" charset="0"/>
+              </a:rPr>
+              <a:t> </a:t>
+            </a:r>
+            <a:r>
+              <a:rPr lang="en-US" altLang="en-US" sz="3200" dirty="0" smtClean="0">
+                <a:solidFill>
+                  <a:srgbClr val="000000"/>
+                </a:solidFill>
+                <a:latin typeface="Segoe UI" panose="020B0502040204020203" pitchFamily="34" charset="0"/>
+                <a:cs typeface="Segoe UI" panose="020B0502040204020203" pitchFamily="34" charset="0"/>
+              </a:rPr>
+              <a:t>TrainingUser2…10</a:t>
+            </a:r>
+          </a:p>
+          <a:p>
+            <a:pPr eaLnBrk="0" fontAlgn="base" hangingPunct="0">
+              <a:lnSpc>
+                <a:spcPct val="100000"/>
+              </a:lnSpc>
+              <a:spcBef>
+                <a:spcPct val="0"/>
+              </a:spcBef>
+              <a:spcAft>
+                <a:spcPct val="0"/>
+              </a:spcAft>
+            </a:pPr>
+            <a:r>
+              <a:rPr kumimoji="0" lang="en-US" altLang="en-US" sz="3200" b="0" i="0" u="none" strike="noStrike" cap="none" normalizeH="0" baseline="0" dirty="0" smtClean="0">
+                <a:ln>
+                  <a:noFill/>
+                </a:ln>
+                <a:solidFill>
+                  <a:srgbClr val="000000"/>
+                </a:solidFill>
+                <a:effectLst/>
+                <a:latin typeface="Segoe UI" panose="020B0502040204020203" pitchFamily="34" charset="0"/>
+                <a:cs typeface="Segoe UI" panose="020B0502040204020203" pitchFamily="34" charset="0"/>
+              </a:rPr>
+              <a:t>Password: welcome1</a:t>
+            </a:r>
+            <a:endParaRPr kumimoji="0" lang="en-US" altLang="en-US" sz="3200" b="0" i="0" u="none" strike="noStrike" cap="none" normalizeH="0" baseline="0" dirty="0" smtClean="0">
+              <a:ln>
+                <a:noFill/>
+              </a:ln>
+              <a:solidFill>
+                <a:schemeClr val="tx1"/>
+              </a:solidFill>
+              <a:effectLst/>
+              <a:latin typeface="Arial" panose="020B0604020202020204" pitchFamily="34" charset="0"/>
+            </a:endParaRPr>
           </a:p>
         </p:txBody>
       </p:sp>
     </p:spTree>
     <p:extLst>
       <p:ext uri="{BB962C8B-B14F-4D97-AF65-F5344CB8AC3E}">
-        <p14:creationId xmlns:p14="http://schemas.microsoft.com/office/powerpoint/2010/main" val="2420097711"/>
+        <p14:creationId xmlns:p14="http://schemas.microsoft.com/office/powerpoint/2010/main" val="4176969557"/>
       </p:ext>
     </p:extLst>
   </p:cSld>
@@ -7243,10 +7268,9 @@
           <a:lstStyle/>
           <a:p>
             <a:r>
-              <a:rPr lang="en-US" dirty="0" smtClean="0"/>
+              <a:rPr lang="en-US" dirty="0"/>
               <a:t>Templates and Proposals</a:t>
             </a:r>
-            <a:endParaRPr lang="en-US" dirty="0"/>
           </a:p>
         </p:txBody>
       </p:sp>
@@ -7280,6 +7304,247 @@
     <p:extLst>
       <p:ext uri="{BB962C8B-B14F-4D97-AF65-F5344CB8AC3E}">
         <p14:creationId xmlns:p14="http://schemas.microsoft.com/office/powerpoint/2010/main" val="962165724"/>
+      </p:ext>
+    </p:extLst>
+  </p:cSld>
+  <p:clrMapOvr>
+    <a:masterClrMapping/>
+  </p:clrMapOvr>
+</p:sld>
+</file>
+
+<file path=ppt/slides/slide30.xml><?xml version="1.0" encoding="utf-8"?>
+<p:sld xmlns:a="http://schemas.openxmlformats.org/drawingml/2006/main" xmlns:r="http://schemas.openxmlformats.org/officeDocument/2006/relationships" xmlns:p="http://schemas.openxmlformats.org/presentationml/2006/main">
+  <p:cSld>
+    <p:spTree>
+      <p:nvGrpSpPr>
+        <p:cNvPr id="1" name=""/>
+        <p:cNvGrpSpPr/>
+        <p:nvPr/>
+      </p:nvGrpSpPr>
+      <p:grpSpPr>
+        <a:xfrm>
+          <a:off x="0" y="0"/>
+          <a:ext cx="0" cy="0"/>
+          <a:chOff x="0" y="0"/>
+          <a:chExt cx="0" cy="0"/>
+        </a:xfrm>
+      </p:grpSpPr>
+      <p:sp>
+        <p:nvSpPr>
+          <p:cNvPr id="2" name="Title 1"/>
+          <p:cNvSpPr>
+            <a:spLocks noGrp="1"/>
+          </p:cNvSpPr>
+          <p:nvPr>
+            <p:ph type="title"/>
+          </p:nvPr>
+        </p:nvSpPr>
+        <p:spPr>
+          <a:xfrm>
+            <a:off x="0" y="1"/>
+            <a:ext cx="11157856" cy="777240"/>
+          </a:xfrm>
+        </p:spPr>
+        <p:txBody>
+          <a:bodyPr/>
+          <a:lstStyle/>
+          <a:p>
+            <a:r>
+              <a:rPr lang="en-US" dirty="0"/>
+              <a:t>Exercise</a:t>
+            </a:r>
+          </a:p>
+        </p:txBody>
+      </p:sp>
+      <p:sp>
+        <p:nvSpPr>
+          <p:cNvPr id="3" name="Content Placeholder 2"/>
+          <p:cNvSpPr>
+            <a:spLocks noGrp="1"/>
+          </p:cNvSpPr>
+          <p:nvPr>
+            <p:ph idx="1"/>
+          </p:nvPr>
+        </p:nvSpPr>
+        <p:spPr>
+          <a:xfrm>
+            <a:off x="0" y="987552"/>
+            <a:ext cx="11157857" cy="5870447"/>
+          </a:xfrm>
+        </p:spPr>
+        <p:txBody>
+          <a:bodyPr>
+            <a:normAutofit lnSpcReduction="10000"/>
+          </a:bodyPr>
+          <a:lstStyle/>
+          <a:p>
+            <a:r>
+              <a:rPr lang="en-US" sz="2000" dirty="0" smtClean="0"/>
+              <a:t>Use your group# prefix for all resource names to avoid name collisions.</a:t>
+            </a:r>
+          </a:p>
+          <a:p>
+            <a:r>
+              <a:rPr lang="en-US" sz="2000" dirty="0" smtClean="0"/>
+              <a:t>Use you group# suffix for ALB port number starting from 9000</a:t>
+            </a:r>
+          </a:p>
+          <a:p>
+            <a:pPr lvl="1"/>
+            <a:r>
+              <a:rPr lang="en-US" sz="1800" dirty="0" err="1" smtClean="0"/>
+              <a:t>Eg</a:t>
+            </a:r>
+            <a:r>
+              <a:rPr lang="en-US" sz="1800" dirty="0" smtClean="0"/>
+              <a:t>: for training group1 – port# will be 9001.</a:t>
+            </a:r>
+          </a:p>
+          <a:p>
+            <a:r>
+              <a:rPr lang="en-US" sz="2000" dirty="0" smtClean="0"/>
+              <a:t>Create a cloud watch log group</a:t>
+            </a:r>
+          </a:p>
+          <a:p>
+            <a:r>
+              <a:rPr lang="en-US" sz="2000" dirty="0" smtClean="0"/>
+              <a:t>Create a task definition for UI and Service (use memory limit – soft limit -50)</a:t>
+            </a:r>
+          </a:p>
+          <a:p>
+            <a:r>
+              <a:rPr lang="en-US" sz="2000" dirty="0" smtClean="0"/>
+              <a:t>Service container exposes port# 8081</a:t>
+            </a:r>
+          </a:p>
+          <a:p>
+            <a:r>
+              <a:rPr lang="en-US" sz="2000" dirty="0" smtClean="0"/>
+              <a:t>UI container exposes port# 8080.</a:t>
+            </a:r>
+          </a:p>
+          <a:p>
+            <a:r>
+              <a:rPr lang="en-US" sz="2000" dirty="0"/>
+              <a:t>Use </a:t>
+            </a:r>
+            <a:r>
+              <a:rPr lang="en-US" sz="2000" dirty="0" err="1" smtClean="0"/>
+              <a:t>awslogs</a:t>
+            </a:r>
+            <a:r>
+              <a:rPr lang="en-US" sz="2000" dirty="0"/>
+              <a:t>-region as </a:t>
+            </a:r>
+            <a:r>
+              <a:rPr lang="en-US" sz="2000" dirty="0" smtClean="0"/>
+              <a:t>“us-west-2”, else it will not work.</a:t>
+            </a:r>
+          </a:p>
+          <a:p>
+            <a:r>
+              <a:rPr lang="en-US" sz="2000" dirty="0" smtClean="0"/>
+              <a:t>Create services – use task’s desire count for ‘</a:t>
+            </a:r>
+            <a:r>
+              <a:rPr lang="en-US" sz="2000" dirty="0" err="1" smtClean="0"/>
+              <a:t>db</a:t>
+            </a:r>
+            <a:r>
+              <a:rPr lang="en-US" sz="2000" dirty="0" smtClean="0"/>
+              <a:t>’ service as – 1 and UI – service as 2.</a:t>
+            </a:r>
+          </a:p>
+          <a:p>
+            <a:r>
+              <a:rPr lang="en-US" sz="2000" dirty="0" smtClean="0"/>
+              <a:t>Db service path pattern  - /</a:t>
+            </a:r>
+            <a:r>
+              <a:rPr lang="en-US" sz="2000" dirty="0" err="1" smtClean="0"/>
+              <a:t>api</a:t>
+            </a:r>
+            <a:r>
+              <a:rPr lang="en-US" sz="2000" dirty="0" smtClean="0"/>
+              <a:t>* and health check endpoint – ‘/</a:t>
+            </a:r>
+            <a:r>
+              <a:rPr lang="en-US" sz="2000" dirty="0" err="1" smtClean="0"/>
+              <a:t>api</a:t>
+            </a:r>
+            <a:r>
+              <a:rPr lang="en-US" sz="2000" dirty="0" smtClean="0"/>
+              <a:t>/values/</a:t>
+            </a:r>
+            <a:r>
+              <a:rPr lang="en-US" sz="2000" dirty="0" err="1" smtClean="0"/>
+              <a:t>getpollresults</a:t>
+            </a:r>
+            <a:r>
+              <a:rPr lang="en-US" sz="2000" dirty="0" smtClean="0"/>
+              <a:t>’</a:t>
+            </a:r>
+          </a:p>
+          <a:p>
+            <a:r>
+              <a:rPr lang="en-US" sz="2000" dirty="0" smtClean="0"/>
+              <a:t>UI service path pattern - /home* and health check endpoint – ‘/home/index.html</a:t>
+            </a:r>
+          </a:p>
+          <a:p>
+            <a:r>
+              <a:rPr lang="en-US" sz="2000" dirty="0" smtClean="0"/>
+              <a:t>Point your default rule(“/”) to UI target group.</a:t>
+            </a:r>
+          </a:p>
+          <a:p>
+            <a:r>
+              <a:rPr lang="en-US" sz="2000" dirty="0" smtClean="0"/>
+              <a:t>Validation – </a:t>
+            </a:r>
+          </a:p>
+          <a:p>
+            <a:pPr lvl="1"/>
+            <a:r>
+              <a:rPr lang="en-US" sz="1600" dirty="0"/>
+              <a:t>G</a:t>
+            </a:r>
+            <a:r>
+              <a:rPr lang="en-US" sz="1600" dirty="0" smtClean="0"/>
+              <a:t>o to ‘http://codecamp-363686496.us-west-2.elb.amazonaws.com:900&lt;group#&gt;/home/index’</a:t>
+            </a:r>
+          </a:p>
+          <a:p>
+            <a:pPr lvl="1"/>
+            <a:r>
+              <a:rPr lang="en-US" sz="1600" dirty="0" smtClean="0"/>
+              <a:t>Vote</a:t>
+            </a:r>
+          </a:p>
+          <a:p>
+            <a:pPr lvl="1"/>
+            <a:r>
+              <a:rPr lang="en-US" sz="1600" dirty="0" smtClean="0"/>
+              <a:t>Go to </a:t>
+            </a:r>
+            <a:r>
+              <a:rPr lang="en-US" sz="1600" dirty="0"/>
+              <a:t>http://codecamp-363686496.us-west-2.elb.amazonaws.com:900&lt;group#&gt;/</a:t>
+            </a:r>
+            <a:r>
+              <a:rPr lang="en-US" sz="1600" dirty="0" smtClean="0"/>
+              <a:t>home/results</a:t>
+            </a:r>
+            <a:endParaRPr lang="en-US" sz="1600" dirty="0"/>
+          </a:p>
+        </p:txBody>
+      </p:sp>
+    </p:spTree>
+    <p:extLst>
+      <p:ext uri="{BB962C8B-B14F-4D97-AF65-F5344CB8AC3E}">
+        <p14:creationId xmlns:p14="http://schemas.microsoft.com/office/powerpoint/2010/main" val="2420097711"/>
       </p:ext>
     </p:extLst>
   </p:cSld>
@@ -7410,10 +7675,9 @@
           <a:lstStyle/>
           <a:p>
             <a:r>
-              <a:rPr lang="en-US" dirty="0" smtClean="0"/>
+              <a:rPr lang="en-US" dirty="0"/>
               <a:t>Technology Stack</a:t>
             </a:r>
-            <a:endParaRPr lang="en-US" dirty="0"/>
           </a:p>
         </p:txBody>
       </p:sp>
@@ -7451,13 +7715,8 @@
             </a:r>
             <a:r>
               <a:rPr lang="en-US" dirty="0"/>
-              <a:t> Core </a:t>
-            </a:r>
-            <a:r>
-              <a:rPr lang="en-US" dirty="0" smtClean="0"/>
-              <a:t>1.1 on Linux</a:t>
-            </a:r>
-            <a:endParaRPr lang="en-US" dirty="0"/>
+              <a:t> Core 1.1 on Linux</a:t>
+            </a:r>
           </a:p>
           <a:p>
             <a:pPr marL="171450" indent="-171450" fontAlgn="base">
@@ -7473,7 +7732,7 @@
               <a:t>Web App(MVC), Web API, Web DAV and </a:t>
             </a:r>
             <a:r>
-              <a:rPr lang="en-US" dirty="0" err="1" smtClean="0"/>
+              <a:rPr lang="en-US" dirty="0" err="1"/>
               <a:t>OfficeJs</a:t>
             </a:r>
             <a:endParaRPr lang="en-US" dirty="0"/>
@@ -7488,18 +7747,17 @@
               </a:spcAft>
             </a:pPr>
             <a:r>
-              <a:rPr lang="en-US" dirty="0" smtClean="0"/>
+              <a:rPr lang="en-US" dirty="0"/>
               <a:t>API servers on kestrel and Web DAV on </a:t>
             </a:r>
             <a:r>
-              <a:rPr lang="en-US" dirty="0" err="1" smtClean="0"/>
+              <a:rPr lang="en-US" dirty="0" err="1"/>
               <a:t>nginx</a:t>
             </a:r>
             <a:r>
-              <a:rPr lang="en-US" dirty="0" smtClean="0"/>
+              <a:rPr lang="en-US" dirty="0"/>
               <a:t>.</a:t>
             </a:r>
-            <a:endParaRPr lang="en-US" dirty="0"/>
           </a:p>
           <a:p>
             <a:pPr marL="171450" indent="-171450" fontAlgn="base">
@@ -7525,10 +7783,9 @@
               </a:spcAft>
             </a:pPr>
             <a:r>
-              <a:rPr lang="en-US" dirty="0" smtClean="0"/>
+              <a:rPr lang="en-US" dirty="0"/>
               <a:t>AWS - (ECS,S3,EC2,KMS,SQS etc…)</a:t>
             </a:r>
-            <a:endParaRPr lang="en-US" dirty="0"/>
           </a:p>
           <a:p>
             <a:pPr marL="171450" indent="-171450" fontAlgn="base">
@@ -7541,15 +7798,7 @@
             </a:pPr>
             <a:r>
               <a:rPr lang="en-US" dirty="0"/>
-              <a:t>Azure </a:t>
-            </a:r>
-            <a:r>
-              <a:rPr lang="en-US" dirty="0" smtClean="0"/>
-              <a:t>- (</a:t>
-            </a:r>
-            <a:r>
-              <a:rPr lang="en-US" dirty="0"/>
-              <a:t>VSTS online, CI&amp;CD, Load Test and Application Insights)</a:t>
+              <a:t>Azure - (VSTS online, CI&amp;CD, Load Test and Application Insights)</a:t>
             </a:r>
           </a:p>
           <a:p>
@@ -7567,13 +7816,6 @@
   <p:clrMapOvr>
     <a:masterClrMapping/>
   </p:clrMapOvr>
-  <p:timing>
-    <p:tnLst>
-      <p:par>
-        <p:cTn id="1" dur="indefinite" restart="never" nodeType="tmRoot"/>
-      </p:par>
-    </p:tnLst>
-  </p:timing>
 </p:sld>
 </file>
 
@@ -7615,10 +7857,9 @@
           <a:lstStyle/>
           <a:p>
             <a:r>
-              <a:rPr lang="en-US" dirty="0" smtClean="0"/>
+              <a:rPr lang="en-US" dirty="0"/>
               <a:t>What is Docker?</a:t>
             </a:r>
-            <a:endParaRPr lang="en-US" dirty="0"/>
           </a:p>
         </p:txBody>
       </p:sp>
@@ -7666,83 +7907,71 @@
             </a:r>
             <a:r>
               <a:rPr lang="en-US" sz="1800" dirty="0"/>
-              <a:t> on Windows and </a:t>
-            </a:r>
-            <a:r>
-              <a:rPr lang="en-US" sz="1800" dirty="0" smtClean="0"/>
-              <a:t>Linux.</a:t>
-            </a:r>
-          </a:p>
-          <a:p>
-            <a:r>
-              <a:rPr lang="en-US" sz="1800" dirty="0" smtClean="0"/>
+              <a:t> on Windows and Linux.</a:t>
+            </a:r>
+          </a:p>
+          <a:p>
+            <a:r>
+              <a:rPr lang="en-US" sz="1800" dirty="0"/>
               <a:t>Containers will provide process isolation, file system isolation, network isolation, CPU/Memory quotas, i/o rate limiting to the applications running in container.</a:t>
             </a:r>
           </a:p>
           <a:p>
             <a:pPr lvl="1"/>
             <a:r>
-              <a:rPr lang="en-US" sz="1600" dirty="0" smtClean="0"/>
+              <a:rPr lang="en-US" sz="1600" dirty="0"/>
               <a:t>On </a:t>
             </a:r>
             <a:r>
-              <a:rPr lang="en-US" sz="1600" dirty="0" err="1" smtClean="0"/>
+              <a:rPr lang="en-US" sz="1600" dirty="0" err="1"/>
               <a:t>linux</a:t>
             </a:r>
             <a:r>
-              <a:rPr lang="en-US" sz="1600" dirty="0" smtClean="0"/>
-              <a:t> it </a:t>
-            </a:r>
-            <a:r>
               <a:rPr lang="en-US" sz="1600" dirty="0"/>
-              <a:t>u</a:t>
-            </a:r>
-            <a:r>
-              <a:rPr lang="en-US" sz="1600" dirty="0" smtClean="0"/>
-              <a:t>ses </a:t>
-            </a:r>
-            <a:r>
-              <a:rPr lang="en-US" sz="1600" dirty="0" err="1" smtClean="0"/>
+              <a:t> it uses </a:t>
+            </a:r>
+            <a:r>
+              <a:rPr lang="en-US" sz="1600" dirty="0" err="1"/>
               <a:t>runc</a:t>
             </a:r>
             <a:r>
-              <a:rPr lang="en-US" sz="1600" dirty="0" smtClean="0"/>
+              <a:rPr lang="en-US" sz="1600" dirty="0"/>
               <a:t>, </a:t>
             </a:r>
             <a:r>
-              <a:rPr lang="en-US" sz="1800" dirty="0" err="1" smtClean="0"/>
+              <a:rPr lang="en-US" sz="1800" dirty="0" err="1"/>
               <a:t>containerd</a:t>
             </a:r>
             <a:r>
-              <a:rPr lang="en-US" sz="1600" dirty="0" smtClean="0"/>
+              <a:rPr lang="en-US" sz="1600" dirty="0"/>
               <a:t>, </a:t>
             </a:r>
             <a:r>
-              <a:rPr lang="en-US" sz="1600" dirty="0" err="1" smtClean="0"/>
+              <a:rPr lang="en-US" sz="1600" dirty="0" err="1"/>
               <a:t>cgroups</a:t>
             </a:r>
             <a:r>
-              <a:rPr lang="en-US" sz="1600" dirty="0" smtClean="0"/>
+              <a:rPr lang="en-US" sz="1600" dirty="0"/>
               <a:t>, namespaces and layered file system of host OS kernel to achieve isolation</a:t>
             </a:r>
-            <a:endParaRPr lang="en-US" sz="1400" dirty="0" smtClean="0"/>
+            <a:endParaRPr lang="en-US" sz="1400" dirty="0"/>
           </a:p>
           <a:p>
             <a:pPr lvl="1"/>
             <a:r>
-              <a:rPr lang="en-US" sz="1600" dirty="0" smtClean="0"/>
+              <a:rPr lang="en-US" sz="1600" dirty="0"/>
               <a:t>On windows it uses job objects, object namespace and union file system extensions.</a:t>
             </a:r>
           </a:p>
           <a:p>
             <a:r>
-              <a:rPr lang="en-US" sz="1800" dirty="0" smtClean="0"/>
+              <a:rPr lang="en-US" sz="1800" dirty="0"/>
               <a:t>Not full isolation unlike VM. Containers do share Host OS kernel. i.e. provides user space/mode isolation not kernel space/mode.</a:t>
             </a:r>
           </a:p>
           <a:p>
             <a:r>
-              <a:rPr lang="en-US" sz="1800" dirty="0" smtClean="0"/>
+              <a:rPr lang="en-US" sz="1800" dirty="0"/>
               <a:t>Windows supports Hyper-V containers(light weight Hyper-V VM with kernel) which provides full isolation.</a:t>
             </a:r>
           </a:p>
@@ -7805,13 +8034,6 @@
   <p:clrMapOvr>
     <a:masterClrMapping/>
   </p:clrMapOvr>
-  <p:timing>
-    <p:tnLst>
-      <p:par>
-        <p:cTn id="1" dur="indefinite" restart="never" nodeType="tmRoot"/>
-      </p:par>
-    </p:tnLst>
-  </p:timing>
 </p:sld>
 </file>
 
@@ -7853,10 +8075,9 @@
           <a:lstStyle/>
           <a:p>
             <a:r>
-              <a:rPr lang="en-US" dirty="0" smtClean="0"/>
+              <a:rPr lang="en-US" dirty="0"/>
               <a:t>Docker Basics</a:t>
             </a:r>
-            <a:endParaRPr lang="en-US" dirty="0"/>
           </a:p>
         </p:txBody>
       </p:sp>
@@ -7968,10 +8189,9 @@
               <a:buNone/>
             </a:pPr>
             <a:r>
-              <a:rPr lang="en-US" dirty="0" smtClean="0"/>
+              <a:rPr lang="en-US" dirty="0"/>
               <a:t>. Windows server 2016 and windows 10  with anniversary update.</a:t>
             </a:r>
-            <a:endParaRPr lang="en-US" dirty="0"/>
           </a:p>
         </p:txBody>
       </p:sp>
@@ -8176,10 +8396,9 @@
               <a:buNone/>
             </a:pPr>
             <a:r>
-              <a:rPr lang="en-US" dirty="0" smtClean="0"/>
+              <a:rPr lang="en-US" dirty="0"/>
               <a:t>. All modern Linux distros</a:t>
             </a:r>
-            <a:endParaRPr lang="en-US" dirty="0"/>
           </a:p>
         </p:txBody>
       </p:sp>
@@ -8193,13 +8412,6 @@
   <p:clrMapOvr>
     <a:masterClrMapping/>
   </p:clrMapOvr>
-  <p:timing>
-    <p:tnLst>
-      <p:par>
-        <p:cTn id="1" dur="indefinite" restart="never" nodeType="tmRoot"/>
-      </p:par>
-    </p:tnLst>
-  </p:timing>
 </p:sld>
 </file>
 
@@ -8241,10 +8453,9 @@
           <a:lstStyle/>
           <a:p>
             <a:r>
-              <a:rPr lang="en-US" dirty="0" smtClean="0"/>
+              <a:rPr lang="en-US" dirty="0"/>
               <a:t>Why Docker</a:t>
             </a:r>
-            <a:endParaRPr lang="en-US" dirty="0"/>
           </a:p>
         </p:txBody>
       </p:sp>
@@ -8271,172 +8482,89 @@
           <a:lstStyle/>
           <a:p>
             <a:r>
-              <a:rPr lang="en-US" dirty="0" smtClean="0"/>
+              <a:rPr lang="en-US" dirty="0"/>
               <a:t>Application centric</a:t>
             </a:r>
-            <a:endParaRPr lang="en-US" dirty="0" smtClean="0"/>
           </a:p>
           <a:p>
             <a:pPr lvl="1"/>
             <a:r>
               <a:rPr lang="en-US" dirty="0"/>
-              <a:t>Docker is </a:t>
-            </a:r>
-            <a:r>
-              <a:rPr lang="en-US" dirty="0" smtClean="0"/>
-              <a:t>optimized </a:t>
-            </a:r>
-            <a:r>
-              <a:rPr lang="en-US" dirty="0"/>
-              <a:t>for the deployment of applications, as opposed to </a:t>
-            </a:r>
-            <a:r>
-              <a:rPr lang="en-US" dirty="0" smtClean="0"/>
-              <a:t>machines.</a:t>
-            </a:r>
-            <a:endParaRPr lang="en-US" dirty="0" smtClean="0"/>
-          </a:p>
-          <a:p>
-            <a:r>
-              <a:rPr lang="en-US" dirty="0" smtClean="0"/>
+              <a:t>Docker is optimized for the deployment of applications, as opposed to machines.</a:t>
+            </a:r>
+          </a:p>
+          <a:p>
+            <a:r>
+              <a:rPr lang="en-US" dirty="0"/>
               <a:t>Simplicity</a:t>
             </a:r>
           </a:p>
           <a:p>
             <a:pPr lvl="1"/>
             <a:r>
-              <a:rPr lang="en-US" dirty="0" smtClean="0"/>
-              <a:t>Abstracted the complex </a:t>
-            </a:r>
-            <a:r>
-              <a:rPr lang="en-US" dirty="0" smtClean="0"/>
-              <a:t>OS level virtual </a:t>
-            </a:r>
-            <a:r>
-              <a:rPr lang="en-US" dirty="0" smtClean="0"/>
-              <a:t>environment entities in </a:t>
-            </a:r>
-            <a:r>
-              <a:rPr lang="en-US" dirty="0" smtClean="0"/>
-              <a:t>Host OS kernel </a:t>
-            </a:r>
-            <a:r>
-              <a:rPr lang="en-US" dirty="0" smtClean="0"/>
-              <a:t>with simple API.</a:t>
+              <a:rPr lang="en-US" dirty="0"/>
+              <a:t>Abstracted the complex OS level virtual environment entities in Host OS kernel with simple API.</a:t>
             </a:r>
           </a:p>
           <a:p>
             <a:pPr lvl="1"/>
             <a:r>
-              <a:rPr lang="en-US" dirty="0" smtClean="0"/>
-              <a:t>Same API across platforms – </a:t>
-            </a:r>
-            <a:r>
-              <a:rPr lang="en-US" dirty="0" smtClean="0"/>
-              <a:t>Linux</a:t>
-            </a:r>
-            <a:r>
-              <a:rPr lang="en-US" dirty="0"/>
-              <a:t> </a:t>
-            </a:r>
-            <a:r>
-              <a:rPr lang="en-US" dirty="0" smtClean="0"/>
-              <a:t>and</a:t>
-            </a:r>
-            <a:r>
-              <a:rPr lang="en-US" dirty="0" smtClean="0"/>
-              <a:t> Windows.</a:t>
-            </a:r>
-            <a:endParaRPr lang="en-US" dirty="0" smtClean="0"/>
-          </a:p>
-          <a:p>
-            <a:r>
-              <a:rPr lang="en-US" dirty="0"/>
-              <a:t>Portable </a:t>
-            </a:r>
-            <a:r>
-              <a:rPr lang="en-US" dirty="0" smtClean="0"/>
-              <a:t>applications</a:t>
-            </a:r>
-            <a:endParaRPr lang="en-US" dirty="0"/>
+              <a:rPr lang="en-US" dirty="0"/>
+              <a:t>Same API across platforms – Linux and Windows.</a:t>
+            </a:r>
+          </a:p>
+          <a:p>
+            <a:r>
+              <a:rPr lang="en-US" dirty="0"/>
+              <a:t>Portable applications</a:t>
+            </a:r>
           </a:p>
           <a:p>
             <a:pPr lvl="1"/>
             <a:r>
               <a:rPr lang="en-US" dirty="0"/>
-              <a:t>Docker defines a format for bundling an application and all its dependencies into a single object called a </a:t>
-            </a:r>
-            <a:r>
-              <a:rPr lang="en-US" dirty="0" smtClean="0"/>
-              <a:t>container – thru image files.</a:t>
-            </a:r>
-            <a:endParaRPr lang="en-US" dirty="0" smtClean="0"/>
+              <a:t>Docker defines a format for bundling an application and all its dependencies into a single object called a container – thru image files.</a:t>
+            </a:r>
           </a:p>
           <a:p>
             <a:pPr lvl="1"/>
             <a:r>
-              <a:rPr lang="en-US" dirty="0" smtClean="0"/>
+              <a:rPr lang="en-US" dirty="0"/>
               <a:t>Reusable image layers – fast image download.</a:t>
             </a:r>
           </a:p>
           <a:p>
             <a:pPr lvl="1"/>
             <a:r>
-              <a:rPr lang="en-US" dirty="0" smtClean="0"/>
+              <a:rPr lang="en-US" dirty="0"/>
               <a:t>Ideal for micro services.</a:t>
             </a:r>
           </a:p>
           <a:p>
             <a:r>
-              <a:rPr lang="en-US" dirty="0" smtClean="0"/>
+              <a:rPr lang="en-US" dirty="0"/>
               <a:t>Community</a:t>
             </a:r>
           </a:p>
           <a:p>
             <a:pPr lvl="1"/>
             <a:r>
-              <a:rPr lang="en-US" dirty="0" smtClean="0"/>
-              <a:t>Hundreds </a:t>
-            </a:r>
-            <a:r>
-              <a:rPr lang="en-US" dirty="0" smtClean="0"/>
-              <a:t>of ready made open source base images in central repository</a:t>
-            </a:r>
-            <a:r>
-              <a:rPr lang="en-US" dirty="0" smtClean="0"/>
-              <a:t>.(always use official images or scan for vulnerabilities)</a:t>
-            </a:r>
-            <a:endParaRPr lang="en-US" dirty="0" smtClean="0"/>
-          </a:p>
-          <a:p>
-            <a:r>
-              <a:rPr lang="en-US" dirty="0" smtClean="0"/>
-              <a:t>Build once deploy </a:t>
-            </a:r>
-            <a:r>
-              <a:rPr lang="en-US" dirty="0" smtClean="0"/>
-              <a:t>anywhere ( Docker enabled machine)</a:t>
+              <a:rPr lang="en-US" dirty="0"/>
+              <a:t>Hundreds of ready made open source base images in central repository.(always use official images or scan for vulnerabilities)</a:t>
+            </a:r>
+          </a:p>
+          <a:p>
+            <a:r>
+              <a:rPr lang="en-US" dirty="0"/>
+              <a:t>Build once deploy anywhere ( Docker enabled machine)</a:t>
             </a:r>
           </a:p>
           <a:p>
             <a:pPr lvl="1"/>
             <a:r>
               <a:rPr lang="en-US" dirty="0"/>
-              <a:t>Deploying a consistent </a:t>
-            </a:r>
-            <a:r>
-              <a:rPr lang="en-US" dirty="0" smtClean="0"/>
-              <a:t>production/XX </a:t>
-            </a:r>
-            <a:r>
-              <a:rPr lang="en-US" dirty="0"/>
-              <a:t>environment is </a:t>
-            </a:r>
-            <a:r>
-              <a:rPr lang="en-US" dirty="0" smtClean="0"/>
-              <a:t>easier.</a:t>
-            </a:r>
-            <a:endParaRPr lang="en-US" dirty="0"/>
+              <a:t>Deploying a consistent production/XX environment is easier.</a:t>
+            </a:r>
           </a:p>
         </p:txBody>
       </p:sp>
@@ -8491,10 +8619,9 @@
           <a:lstStyle/>
           <a:p>
             <a:r>
-              <a:rPr lang="en-US" dirty="0" smtClean="0"/>
+              <a:rPr lang="en-US" dirty="0"/>
               <a:t>Docker Terminology</a:t>
             </a:r>
-            <a:endParaRPr lang="en-US" dirty="0"/>
           </a:p>
         </p:txBody>
       </p:sp>
@@ -8519,7 +8646,7 @@
           <a:lstStyle/>
           <a:p>
             <a:r>
-              <a:rPr lang="en-US" dirty="0" smtClean="0"/>
+              <a:rPr lang="en-US" dirty="0"/>
               <a:t>Docker Image</a:t>
             </a:r>
           </a:p>
@@ -8528,20 +8655,15 @@
               <a:buNone/>
             </a:pPr>
             <a:r>
-              <a:rPr lang="en-US" dirty="0" smtClean="0"/>
+              <a:rPr lang="en-US" dirty="0"/>
               <a:t>The Basis of a Docker container. Represents full application</a:t>
             </a:r>
           </a:p>
           <a:p>
             <a:r>
               <a:rPr lang="en-US" dirty="0"/>
-              <a:t>Docker </a:t>
-            </a:r>
-            <a:r>
-              <a:rPr lang="en-US" dirty="0" smtClean="0"/>
-              <a:t>Container</a:t>
-            </a:r>
-            <a:endParaRPr lang="en-US" dirty="0"/>
+              <a:t>Docker Container</a:t>
+            </a:r>
           </a:p>
           <a:p>
             <a:pPr marL="457200" lvl="1" indent="0">
@@ -8549,50 +8671,39 @@
             </a:pPr>
             <a:r>
               <a:rPr lang="en-US" dirty="0"/>
-              <a:t>The </a:t>
-            </a:r>
-            <a:r>
-              <a:rPr lang="en-US" dirty="0" smtClean="0"/>
-              <a:t>Standard unit in which your application service resides and executes</a:t>
-            </a:r>
-            <a:endParaRPr lang="en-US" u="sng" dirty="0" smtClean="0"/>
-          </a:p>
-          <a:p>
-            <a:r>
-              <a:rPr lang="en-US" dirty="0"/>
-              <a:t>Docker </a:t>
-            </a:r>
-            <a:r>
-              <a:rPr lang="en-US" dirty="0" smtClean="0"/>
-              <a:t>Engine</a:t>
-            </a:r>
-            <a:endParaRPr lang="en-US" dirty="0"/>
+              <a:t>The Standard unit in which your application service resides and executes</a:t>
+            </a:r>
+            <a:endParaRPr lang="en-US" u="sng" dirty="0"/>
+          </a:p>
+          <a:p>
+            <a:r>
+              <a:rPr lang="en-US" dirty="0"/>
+              <a:t>Docker Engine</a:t>
+            </a:r>
           </a:p>
           <a:p>
             <a:pPr marL="457200" lvl="1" indent="0">
               <a:buNone/>
             </a:pPr>
             <a:r>
-              <a:rPr lang="en-US" dirty="0" smtClean="0"/>
+              <a:rPr lang="en-US" dirty="0"/>
               <a:t>Creates, ships and runs Docker containers deployable on a physical or virtual, host locally, in a data center or cloud service provider. </a:t>
             </a:r>
           </a:p>
           <a:p>
             <a:r>
-              <a:rPr lang="en-US" dirty="0" smtClean="0"/>
+              <a:rPr lang="en-US" dirty="0"/>
               <a:t>Registry service</a:t>
             </a:r>
-            <a:endParaRPr lang="en-US" dirty="0"/>
           </a:p>
           <a:p>
             <a:pPr marL="457200" lvl="1" indent="0">
               <a:buNone/>
             </a:pPr>
             <a:r>
-              <a:rPr lang="en-US" dirty="0" smtClean="0"/>
+              <a:rPr lang="en-US" dirty="0"/>
               <a:t>Cloud or server based storage and distribution service for your images</a:t>
             </a:r>
-            <a:endParaRPr lang="en-US" dirty="0"/>
           </a:p>
           <a:p>
             <a:pPr marL="457200" lvl="1" indent="0">
